--- a/3. Implementation.pptx
+++ b/3. Implementation.pptx
@@ -10,12 +10,14 @@
     <p:sldId id="257" r:id="rId4"/>
     <p:sldId id="258" r:id="rId5"/>
     <p:sldId id="268" r:id="rId6"/>
-    <p:sldId id="267" r:id="rId7"/>
-    <p:sldId id="269" r:id="rId8"/>
-    <p:sldId id="260" r:id="rId9"/>
-    <p:sldId id="261" r:id="rId10"/>
-    <p:sldId id="272" r:id="rId11"/>
-    <p:sldId id="265" r:id="rId12"/>
+    <p:sldId id="273" r:id="rId7"/>
+    <p:sldId id="275" r:id="rId8"/>
+    <p:sldId id="269" r:id="rId9"/>
+    <p:sldId id="274" r:id="rId10"/>
+    <p:sldId id="260" r:id="rId11"/>
+    <p:sldId id="276" r:id="rId12"/>
+    <p:sldId id="272" r:id="rId13"/>
+    <p:sldId id="265" r:id="rId14"/>
   </p:sldIdLst>
   <p:sldSz cx="12192000" cy="6858000"/>
   <p:notesSz cx="6858000" cy="9144000"/>
@@ -15604,7 +15606,7 @@
           <a:p>
             <a:fld id="{911B92C1-5B44-4EF6-964F-B1727ADB36B8}" type="datetimeFigureOut">
               <a:rPr lang="ko-KR" altLang="en-US" smtClean="0"/>
-              <a:t>2018-10-01</a:t>
+              <a:t>2018-10-08</a:t>
             </a:fld>
             <a:endParaRPr lang="ko-KR" altLang="en-US"/>
           </a:p>
@@ -15802,7 +15804,7 @@
           <a:p>
             <a:fld id="{911B92C1-5B44-4EF6-964F-B1727ADB36B8}" type="datetimeFigureOut">
               <a:rPr lang="ko-KR" altLang="en-US" smtClean="0"/>
-              <a:t>2018-10-01</a:t>
+              <a:t>2018-10-08</a:t>
             </a:fld>
             <a:endParaRPr lang="ko-KR" altLang="en-US"/>
           </a:p>
@@ -32685,7 +32687,7 @@
     <mc:Choice Requires="p14">
       <p:transition/>
     </mc:Choice>
-    <mc:Fallback xmlns="" xmlns:c="http://schemas.openxmlformats.org/drawingml/2006/chart" xmlns:dgm="http://schemas.openxmlformats.org/drawingml/2006/diagram" xmlns:dsp="http://schemas.microsoft.com/office/drawing/2008/diagram">
+    <mc:Fallback xmlns:dsp="http://schemas.microsoft.com/office/drawing/2008/diagram" xmlns:dgm="http://schemas.openxmlformats.org/drawingml/2006/diagram" xmlns:c="http://schemas.openxmlformats.org/drawingml/2006/chart" xmlns="">
       <p:transition/>
     </mc:Fallback>
   </mc:AlternateContent>
@@ -32693,6 +32695,646 @@
 </file>
 
 <file path=ppt/slides/slide10.xml><?xml version="1.0" encoding="utf-8"?>
+<p:sld xmlns:a="http://schemas.openxmlformats.org/drawingml/2006/main" xmlns:r="http://schemas.openxmlformats.org/officeDocument/2006/relationships" xmlns:p="http://schemas.openxmlformats.org/presentationml/2006/main">
+  <p:cSld>
+    <p:bg>
+      <p:bgPr>
+        <a:blipFill rotWithShape="1">
+          <a:blip r:embed="rId2">
+            <a:alphaModFix/>
+            <a:lum/>
+          </a:blip>
+          <a:tile tx="0" ty="0" sx="100000" sy="100000" flip="none" algn="ctr"/>
+        </a:blipFill>
+        <a:effectLst/>
+      </p:bgPr>
+    </p:bg>
+    <p:spTree>
+      <p:nvGrpSpPr>
+        <p:cNvPr id="1" name=""/>
+        <p:cNvGrpSpPr/>
+        <p:nvPr/>
+      </p:nvGrpSpPr>
+      <p:grpSpPr>
+        <a:xfrm>
+          <a:off x="0" y="0"/>
+          <a:ext cx="0" cy="0"/>
+          <a:chOff x="0" y="0"/>
+          <a:chExt cx="0" cy="0"/>
+        </a:xfrm>
+      </p:grpSpPr>
+      <p:sp>
+        <p:nvSpPr>
+          <p:cNvPr id="25" name="TextBox 24"/>
+          <p:cNvSpPr txBox="1"/>
+          <p:nvPr/>
+        </p:nvSpPr>
+        <p:spPr>
+          <a:xfrm>
+            <a:off x="1135907" y="520835"/>
+            <a:ext cx="6373643" cy="689042"/>
+          </a:xfrm>
+          <a:prstGeom prst="rect">
+            <a:avLst/>
+          </a:prstGeom>
+        </p:spPr>
+        <p:txBody>
+          <a:bodyPr wrap="square"/>
+          <a:lstStyle/>
+          <a:p>
+            <a:pPr>
+              <a:defRPr/>
+            </a:pPr>
+            <a:r>
+              <a:rPr lang="ko-KR" altLang="en-US" sz="3600" b="1" dirty="0">
+                <a:latin typeface="한컴 고딕"/>
+                <a:ea typeface="한컴 고딕"/>
+              </a:rPr>
+              <a:t>그래프 형성 및 데이터 산출</a:t>
+            </a:r>
+          </a:p>
+        </p:txBody>
+      </p:sp>
+      <p:pic>
+        <p:nvPicPr>
+          <p:cNvPr id="3" name="그림 2">
+            <a:extLst>
+              <a:ext uri="{FF2B5EF4-FFF2-40B4-BE49-F238E27FC236}">
+                <a16:creationId xmlns:a16="http://schemas.microsoft.com/office/drawing/2014/main" id="{7D9496F8-A2DA-4B2A-B121-7D05A6E284B3}"/>
+              </a:ext>
+            </a:extLst>
+          </p:cNvPr>
+          <p:cNvPicPr>
+            <a:picLocks noChangeAspect="1"/>
+          </p:cNvPicPr>
+          <p:nvPr/>
+        </p:nvPicPr>
+        <p:blipFill rotWithShape="1">
+          <a:blip r:embed="rId3">
+            <a:extLst>
+              <a:ext uri="{28A0092B-C50C-407E-A947-70E740481C1C}">
+                <a14:useLocalDpi xmlns:a14="http://schemas.microsoft.com/office/drawing/2010/main" val="0"/>
+              </a:ext>
+            </a:extLst>
+          </a:blip>
+          <a:srcRect t="20955" r="44905" b="58277"/>
+          <a:stretch/>
+        </p:blipFill>
+        <p:spPr>
+          <a:xfrm>
+            <a:off x="587267" y="1822049"/>
+            <a:ext cx="2950751" cy="524257"/>
+          </a:xfrm>
+          <a:prstGeom prst="rect">
+            <a:avLst/>
+          </a:prstGeom>
+        </p:spPr>
+      </p:pic>
+      <p:pic>
+        <p:nvPicPr>
+          <p:cNvPr id="5" name="그림 4">
+            <a:extLst>
+              <a:ext uri="{FF2B5EF4-FFF2-40B4-BE49-F238E27FC236}">
+                <a16:creationId xmlns:a16="http://schemas.microsoft.com/office/drawing/2014/main" id="{C387C4B5-EDDC-420F-B47E-79C2280398E4}"/>
+              </a:ext>
+            </a:extLst>
+          </p:cNvPr>
+          <p:cNvPicPr>
+            <a:picLocks noChangeAspect="1"/>
+          </p:cNvPicPr>
+          <p:nvPr/>
+        </p:nvPicPr>
+        <p:blipFill>
+          <a:blip r:embed="rId4">
+            <a:extLst>
+              <a:ext uri="{28A0092B-C50C-407E-A947-70E740481C1C}">
+                <a14:useLocalDpi xmlns:a14="http://schemas.microsoft.com/office/drawing/2010/main" val="0"/>
+              </a:ext>
+            </a:extLst>
+          </a:blip>
+          <a:stretch>
+            <a:fillRect/>
+          </a:stretch>
+        </p:blipFill>
+        <p:spPr>
+          <a:xfrm>
+            <a:off x="4298342" y="1794848"/>
+            <a:ext cx="3166303" cy="689041"/>
+          </a:xfrm>
+          <a:prstGeom prst="rect">
+            <a:avLst/>
+          </a:prstGeom>
+        </p:spPr>
+      </p:pic>
+      <p:pic>
+        <p:nvPicPr>
+          <p:cNvPr id="10" name="그림 9">
+            <a:extLst>
+              <a:ext uri="{FF2B5EF4-FFF2-40B4-BE49-F238E27FC236}">
+                <a16:creationId xmlns:a16="http://schemas.microsoft.com/office/drawing/2014/main" id="{2213A59D-2E69-454B-BE50-7AEF150BBC4D}"/>
+              </a:ext>
+            </a:extLst>
+          </p:cNvPr>
+          <p:cNvPicPr>
+            <a:picLocks noChangeAspect="1"/>
+          </p:cNvPicPr>
+          <p:nvPr/>
+        </p:nvPicPr>
+        <p:blipFill>
+          <a:blip r:embed="rId5">
+            <a:extLst>
+              <a:ext uri="{28A0092B-C50C-407E-A947-70E740481C1C}">
+                <a14:useLocalDpi xmlns:a14="http://schemas.microsoft.com/office/drawing/2010/main" val="0"/>
+              </a:ext>
+            </a:extLst>
+          </a:blip>
+          <a:stretch>
+            <a:fillRect/>
+          </a:stretch>
+        </p:blipFill>
+        <p:spPr>
+          <a:xfrm>
+            <a:off x="8437481" y="2346306"/>
+            <a:ext cx="3552702" cy="3521987"/>
+          </a:xfrm>
+          <a:prstGeom prst="rect">
+            <a:avLst/>
+          </a:prstGeom>
+        </p:spPr>
+      </p:pic>
+      <p:pic>
+        <p:nvPicPr>
+          <p:cNvPr id="14" name="그림 13">
+            <a:extLst>
+              <a:ext uri="{FF2B5EF4-FFF2-40B4-BE49-F238E27FC236}">
+                <a16:creationId xmlns:a16="http://schemas.microsoft.com/office/drawing/2014/main" id="{1D9C699D-5CDB-4EBB-A338-A1B072B903EF}"/>
+              </a:ext>
+            </a:extLst>
+          </p:cNvPr>
+          <p:cNvPicPr>
+            <a:picLocks noChangeAspect="1"/>
+          </p:cNvPicPr>
+          <p:nvPr/>
+        </p:nvPicPr>
+        <p:blipFill rotWithShape="1">
+          <a:blip r:embed="rId6">
+            <a:extLst>
+              <a:ext uri="{28A0092B-C50C-407E-A947-70E740481C1C}">
+                <a14:useLocalDpi xmlns:a14="http://schemas.microsoft.com/office/drawing/2010/main" val="0"/>
+              </a:ext>
+            </a:extLst>
+          </a:blip>
+          <a:srcRect r="5378" b="48317"/>
+          <a:stretch/>
+        </p:blipFill>
+        <p:spPr>
+          <a:xfrm>
+            <a:off x="8437481" y="1791555"/>
+            <a:ext cx="3118484" cy="585243"/>
+          </a:xfrm>
+          <a:prstGeom prst="rect">
+            <a:avLst/>
+          </a:prstGeom>
+        </p:spPr>
+      </p:pic>
+      <p:pic>
+        <p:nvPicPr>
+          <p:cNvPr id="16" name="그림 15">
+            <a:extLst>
+              <a:ext uri="{FF2B5EF4-FFF2-40B4-BE49-F238E27FC236}">
+                <a16:creationId xmlns:a16="http://schemas.microsoft.com/office/drawing/2014/main" id="{6C66890D-05AA-495F-9622-64931C6DB786}"/>
+              </a:ext>
+            </a:extLst>
+          </p:cNvPr>
+          <p:cNvPicPr>
+            <a:picLocks noChangeAspect="1"/>
+          </p:cNvPicPr>
+          <p:nvPr/>
+        </p:nvPicPr>
+        <p:blipFill rotWithShape="1">
+          <a:blip r:embed="rId7">
+            <a:extLst>
+              <a:ext uri="{28A0092B-C50C-407E-A947-70E740481C1C}">
+                <a14:useLocalDpi xmlns:a14="http://schemas.microsoft.com/office/drawing/2010/main" val="0"/>
+              </a:ext>
+            </a:extLst>
+          </a:blip>
+          <a:srcRect t="11669" r="20158" b="59055"/>
+          <a:stretch/>
+        </p:blipFill>
+        <p:spPr>
+          <a:xfrm>
+            <a:off x="4177607" y="2966482"/>
+            <a:ext cx="3620283" cy="1457420"/>
+          </a:xfrm>
+          <a:prstGeom prst="rect">
+            <a:avLst/>
+          </a:prstGeom>
+        </p:spPr>
+      </p:pic>
+      <p:pic>
+        <p:nvPicPr>
+          <p:cNvPr id="19" name="그림 18">
+            <a:extLst>
+              <a:ext uri="{FF2B5EF4-FFF2-40B4-BE49-F238E27FC236}">
+                <a16:creationId xmlns:a16="http://schemas.microsoft.com/office/drawing/2014/main" id="{30E0E0AA-13D4-4206-8AF9-670BC9462DF6}"/>
+              </a:ext>
+            </a:extLst>
+          </p:cNvPr>
+          <p:cNvPicPr>
+            <a:picLocks noChangeAspect="1"/>
+          </p:cNvPicPr>
+          <p:nvPr/>
+        </p:nvPicPr>
+        <p:blipFill rotWithShape="1">
+          <a:blip r:embed="rId8">
+            <a:extLst>
+              <a:ext uri="{28A0092B-C50C-407E-A947-70E740481C1C}">
+                <a14:useLocalDpi xmlns:a14="http://schemas.microsoft.com/office/drawing/2010/main" val="0"/>
+              </a:ext>
+            </a:extLst>
+          </a:blip>
+          <a:srcRect r="44170" b="40326"/>
+          <a:stretch/>
+        </p:blipFill>
+        <p:spPr>
+          <a:xfrm>
+            <a:off x="587266" y="2376798"/>
+            <a:ext cx="2950751" cy="2636789"/>
+          </a:xfrm>
+          <a:prstGeom prst="rect">
+            <a:avLst/>
+          </a:prstGeom>
+        </p:spPr>
+      </p:pic>
+      <p:cxnSp>
+        <p:nvCxnSpPr>
+          <p:cNvPr id="21" name="직선 화살표 연결선 20">
+            <a:extLst>
+              <a:ext uri="{FF2B5EF4-FFF2-40B4-BE49-F238E27FC236}">
+                <a16:creationId xmlns:a16="http://schemas.microsoft.com/office/drawing/2014/main" id="{F779E265-E9F1-4202-876A-3BA22BDF13D1}"/>
+              </a:ext>
+            </a:extLst>
+          </p:cNvPr>
+          <p:cNvCxnSpPr>
+            <a:cxnSpLocks/>
+            <a:stCxn id="3" idx="3"/>
+          </p:cNvCxnSpPr>
+          <p:nvPr/>
+        </p:nvCxnSpPr>
+        <p:spPr>
+          <a:xfrm>
+            <a:off x="3538018" y="2084178"/>
+            <a:ext cx="972836" cy="0"/>
+          </a:xfrm>
+          <a:prstGeom prst="straightConnector1">
+            <a:avLst/>
+          </a:prstGeom>
+          <a:ln>
+            <a:tailEnd type="triangle"/>
+          </a:ln>
+        </p:spPr>
+        <p:style>
+          <a:lnRef idx="1">
+            <a:schemeClr val="accent1"/>
+          </a:lnRef>
+          <a:fillRef idx="0">
+            <a:schemeClr val="accent1"/>
+          </a:fillRef>
+          <a:effectRef idx="0">
+            <a:schemeClr val="accent1"/>
+          </a:effectRef>
+          <a:fontRef idx="minor">
+            <a:schemeClr val="tx1"/>
+          </a:fontRef>
+        </p:style>
+      </p:cxnSp>
+      <p:cxnSp>
+        <p:nvCxnSpPr>
+          <p:cNvPr id="23" name="직선 화살표 연결선 22">
+            <a:extLst>
+              <a:ext uri="{FF2B5EF4-FFF2-40B4-BE49-F238E27FC236}">
+                <a16:creationId xmlns:a16="http://schemas.microsoft.com/office/drawing/2014/main" id="{C3808C92-B0B1-4FAF-A7B9-BA65BCB1A247}"/>
+              </a:ext>
+            </a:extLst>
+          </p:cNvPr>
+          <p:cNvCxnSpPr>
+            <a:cxnSpLocks/>
+            <a:stCxn id="5" idx="3"/>
+          </p:cNvCxnSpPr>
+          <p:nvPr/>
+        </p:nvCxnSpPr>
+        <p:spPr>
+          <a:xfrm>
+            <a:off x="7464645" y="2139369"/>
+            <a:ext cx="1191675" cy="0"/>
+          </a:xfrm>
+          <a:prstGeom prst="straightConnector1">
+            <a:avLst/>
+          </a:prstGeom>
+          <a:ln>
+            <a:tailEnd type="triangle"/>
+          </a:ln>
+        </p:spPr>
+        <p:style>
+          <a:lnRef idx="1">
+            <a:schemeClr val="accent1"/>
+          </a:lnRef>
+          <a:fillRef idx="0">
+            <a:schemeClr val="accent1"/>
+          </a:fillRef>
+          <a:effectRef idx="0">
+            <a:schemeClr val="accent1"/>
+          </a:effectRef>
+          <a:fontRef idx="minor">
+            <a:schemeClr val="tx1"/>
+          </a:fontRef>
+        </p:style>
+      </p:cxnSp>
+    </p:spTree>
+    <p:extLst>
+      <p:ext uri="{BB962C8B-B14F-4D97-AF65-F5344CB8AC3E}">
+        <p14:creationId xmlns:p14="http://schemas.microsoft.com/office/powerpoint/2010/main" val="1508563784"/>
+      </p:ext>
+    </p:extLst>
+  </p:cSld>
+  <p:clrMapOvr>
+    <a:masterClrMapping/>
+  </p:clrMapOvr>
+  <mc:AlternateContent xmlns:mc="http://schemas.openxmlformats.org/markup-compatibility/2006" xmlns:p14="http://schemas.microsoft.com/office/powerpoint/2010/main">
+    <mc:Choice Requires="p14">
+      <p:transition/>
+    </mc:Choice>
+    <mc:Fallback xmlns:dsp="http://schemas.microsoft.com/office/drawing/2008/diagram" xmlns:dgm="http://schemas.openxmlformats.org/drawingml/2006/diagram" xmlns:c="http://schemas.openxmlformats.org/drawingml/2006/chart" xmlns="">
+      <p:transition/>
+    </mc:Fallback>
+  </mc:AlternateContent>
+</p:sld>
+</file>
+
+<file path=ppt/slides/slide11.xml><?xml version="1.0" encoding="utf-8"?>
+<p:sld xmlns:a="http://schemas.openxmlformats.org/drawingml/2006/main" xmlns:r="http://schemas.openxmlformats.org/officeDocument/2006/relationships" xmlns:p="http://schemas.openxmlformats.org/presentationml/2006/main">
+  <p:cSld>
+    <p:bg>
+      <p:bgPr>
+        <a:blipFill rotWithShape="1">
+          <a:blip r:embed="rId2">
+            <a:alphaModFix/>
+            <a:lum/>
+          </a:blip>
+          <a:tile tx="0" ty="0" sx="100000" sy="100000" flip="none" algn="ctr"/>
+        </a:blipFill>
+        <a:effectLst/>
+      </p:bgPr>
+    </p:bg>
+    <p:spTree>
+      <p:nvGrpSpPr>
+        <p:cNvPr id="1" name=""/>
+        <p:cNvGrpSpPr/>
+        <p:nvPr/>
+      </p:nvGrpSpPr>
+      <p:grpSpPr>
+        <a:xfrm>
+          <a:off x="0" y="0"/>
+          <a:ext cx="0" cy="0"/>
+          <a:chOff x="0" y="0"/>
+          <a:chExt cx="0" cy="0"/>
+        </a:xfrm>
+      </p:grpSpPr>
+      <p:sp>
+        <p:nvSpPr>
+          <p:cNvPr id="25" name="TextBox 24"/>
+          <p:cNvSpPr txBox="1"/>
+          <p:nvPr/>
+        </p:nvSpPr>
+        <p:spPr>
+          <a:xfrm>
+            <a:off x="1135907" y="520835"/>
+            <a:ext cx="6373643" cy="689042"/>
+          </a:xfrm>
+          <a:prstGeom prst="rect">
+            <a:avLst/>
+          </a:prstGeom>
+        </p:spPr>
+        <p:txBody>
+          <a:bodyPr wrap="square"/>
+          <a:lstStyle/>
+          <a:p>
+            <a:pPr>
+              <a:defRPr/>
+            </a:pPr>
+            <a:r>
+              <a:rPr lang="ko-KR" altLang="en-US" sz="3600" b="1" dirty="0">
+                <a:latin typeface="한컴 고딕"/>
+                <a:ea typeface="한컴 고딕"/>
+              </a:rPr>
+              <a:t>향후 계획</a:t>
+            </a:r>
+          </a:p>
+        </p:txBody>
+      </p:sp>
+      <p:sp>
+        <p:nvSpPr>
+          <p:cNvPr id="3" name="TextBox 2">
+            <a:extLst>
+              <a:ext uri="{FF2B5EF4-FFF2-40B4-BE49-F238E27FC236}">
+                <a16:creationId xmlns:a16="http://schemas.microsoft.com/office/drawing/2014/main" id="{4353B24D-0BB0-4178-B761-26AFE92601FC}"/>
+              </a:ext>
+            </a:extLst>
+          </p:cNvPr>
+          <p:cNvSpPr txBox="1"/>
+          <p:nvPr/>
+        </p:nvSpPr>
+        <p:spPr>
+          <a:xfrm>
+            <a:off x="1392381" y="1637053"/>
+            <a:ext cx="9407237" cy="4247317"/>
+          </a:xfrm>
+          <a:prstGeom prst="rect">
+            <a:avLst/>
+          </a:prstGeom>
+        </p:spPr>
+        <p:txBody>
+          <a:bodyPr wrap="square" rtlCol="0">
+            <a:spAutoFit/>
+          </a:bodyPr>
+          <a:lstStyle/>
+          <a:p>
+            <a:pPr marL="342900" indent="-342900">
+              <a:lnSpc>
+                <a:spcPct val="150000"/>
+              </a:lnSpc>
+              <a:buFont typeface="Arial" panose="020B0604020202020204" pitchFamily="34" charset="0"/>
+              <a:buChar char="•"/>
+            </a:pPr>
+            <a:r>
+              <a:rPr lang="ko-KR" altLang="en-US" sz="2800" b="1" dirty="0"/>
+              <a:t>일일 </a:t>
+            </a:r>
+            <a:r>
+              <a:rPr lang="en-US" altLang="ko-KR" sz="2800" b="1" dirty="0"/>
+              <a:t>Key</a:t>
+            </a:r>
+            <a:r>
+              <a:rPr lang="ko-KR" altLang="en-US" sz="2800" b="1" dirty="0"/>
+              <a:t> 사용 횟수제한</a:t>
+            </a:r>
+            <a:r>
+              <a:rPr lang="en-US" altLang="ko-KR" sz="2800" b="1" dirty="0"/>
+              <a:t>(</a:t>
+            </a:r>
+            <a:r>
+              <a:rPr lang="ko-KR" altLang="en-US" sz="2800" b="1" dirty="0"/>
+              <a:t>일 요청 </a:t>
+            </a:r>
+            <a:r>
+              <a:rPr lang="en-US" altLang="ko-KR" sz="2800" b="1" dirty="0"/>
+              <a:t>3000</a:t>
+            </a:r>
+            <a:r>
+              <a:rPr lang="ko-KR" altLang="en-US" sz="2800" b="1" dirty="0"/>
+              <a:t>회</a:t>
+            </a:r>
+            <a:r>
+              <a:rPr lang="en-US" altLang="ko-KR" sz="2800" b="1" dirty="0"/>
+              <a:t>)</a:t>
+            </a:r>
+            <a:r>
+              <a:rPr lang="ko-KR" altLang="en-US" sz="2800" b="1" dirty="0"/>
+              <a:t>에 대한 문제에 대한 해결 방안 모색</a:t>
+            </a:r>
+            <a:r>
+              <a:rPr lang="en-US" altLang="ko-KR" sz="2800" b="1" dirty="0"/>
+              <a:t> </a:t>
+            </a:r>
+            <a:r>
+              <a:rPr lang="ko-KR" altLang="en-US" sz="2800" b="1" dirty="0"/>
+              <a:t> </a:t>
+            </a:r>
+            <a:endParaRPr lang="en-US" altLang="ko-KR" sz="2800" b="1" dirty="0"/>
+          </a:p>
+          <a:p>
+            <a:pPr marL="342900" indent="-342900">
+              <a:lnSpc>
+                <a:spcPct val="150000"/>
+              </a:lnSpc>
+              <a:buFont typeface="Arial" panose="020B0604020202020204" pitchFamily="34" charset="0"/>
+              <a:buChar char="•"/>
+            </a:pPr>
+            <a:r>
+              <a:rPr lang="en-US" altLang="ko-KR" sz="2800" b="1" dirty="0"/>
+              <a:t>XML </a:t>
+            </a:r>
+            <a:r>
+              <a:rPr lang="ko-KR" altLang="en-US" sz="2800" b="1" dirty="0"/>
+              <a:t>데이터로부터 유효할 수 있는 정보를 골라 추가할 것</a:t>
+            </a:r>
+            <a:r>
+              <a:rPr lang="en-US" altLang="ko-KR" sz="2800" b="1" dirty="0"/>
+              <a:t>(ex- </a:t>
+            </a:r>
+            <a:r>
+              <a:rPr lang="ko-KR" altLang="en-US" sz="2800" b="1" dirty="0"/>
+              <a:t>배우 상세</a:t>
+            </a:r>
+            <a:r>
+              <a:rPr lang="en-US" altLang="ko-KR" sz="2800" b="1" dirty="0"/>
+              <a:t>, </a:t>
+            </a:r>
+            <a:r>
+              <a:rPr lang="ko-KR" altLang="en-US" sz="2800" b="1" dirty="0"/>
+              <a:t>영화 상세 정보</a:t>
+            </a:r>
+            <a:r>
+              <a:rPr lang="en-US" altLang="ko-KR" sz="2800" b="1" dirty="0"/>
+              <a:t>)</a:t>
+            </a:r>
+          </a:p>
+          <a:p>
+            <a:pPr marL="342900" indent="-342900">
+              <a:lnSpc>
+                <a:spcPct val="150000"/>
+              </a:lnSpc>
+              <a:buFont typeface="Arial" panose="020B0604020202020204" pitchFamily="34" charset="0"/>
+              <a:buChar char="•"/>
+            </a:pPr>
+            <a:r>
+              <a:rPr lang="ko-KR" altLang="en-US" sz="2800" b="1" dirty="0"/>
+              <a:t>평균 중심 지수를</a:t>
+            </a:r>
+            <a:r>
+              <a:rPr lang="en-US" altLang="ko-KR" sz="2800" b="1" dirty="0"/>
+              <a:t> ‘</a:t>
+            </a:r>
+            <a:r>
+              <a:rPr lang="ko-KR" altLang="en-US" sz="2800" b="1" dirty="0"/>
+              <a:t>출연 작품 수</a:t>
+            </a:r>
+            <a:r>
+              <a:rPr lang="en-US" altLang="ko-KR" sz="2800" b="1" dirty="0"/>
+              <a:t>,’ ‘</a:t>
+            </a:r>
+            <a:r>
+              <a:rPr lang="ko-KR" altLang="en-US" sz="2800" b="1" dirty="0"/>
+              <a:t>인접 노드 수</a:t>
+            </a:r>
+            <a:r>
+              <a:rPr lang="en-US" altLang="ko-KR" sz="2800" b="1" dirty="0"/>
+              <a:t>’, ‘2-</a:t>
+            </a:r>
+            <a:r>
+              <a:rPr lang="ko-KR" altLang="en-US" sz="2800" b="1" dirty="0"/>
+              <a:t>인접 노드 수</a:t>
+            </a:r>
+            <a:r>
+              <a:rPr lang="en-US" altLang="ko-KR" sz="2800" b="1" dirty="0"/>
+              <a:t>’</a:t>
+            </a:r>
+            <a:r>
+              <a:rPr lang="ko-KR" altLang="en-US" sz="2800" b="1" dirty="0"/>
+              <a:t> 등</a:t>
+            </a:r>
+            <a:r>
+              <a:rPr lang="en-US" altLang="ko-KR" sz="2800" b="1" dirty="0"/>
+              <a:t>, </a:t>
+            </a:r>
+            <a:r>
+              <a:rPr lang="ko-KR" altLang="en-US" sz="2800" b="1" dirty="0"/>
+              <a:t>다양한 요인들과 접목하여 연구할 것</a:t>
+            </a:r>
+            <a:endParaRPr lang="en-US" altLang="ko-KR" sz="2800" b="1" dirty="0"/>
+          </a:p>
+          <a:p>
+            <a:pPr marL="285750" indent="-285750">
+              <a:buFont typeface="Arial" panose="020B0604020202020204" pitchFamily="34" charset="0"/>
+              <a:buChar char="•"/>
+            </a:pPr>
+            <a:endParaRPr lang="ko-KR" altLang="en-US" dirty="0"/>
+          </a:p>
+        </p:txBody>
+      </p:sp>
+    </p:spTree>
+    <p:extLst>
+      <p:ext uri="{BB962C8B-B14F-4D97-AF65-F5344CB8AC3E}">
+        <p14:creationId xmlns:p14="http://schemas.microsoft.com/office/powerpoint/2010/main" val="3951713192"/>
+      </p:ext>
+    </p:extLst>
+  </p:cSld>
+  <p:clrMapOvr>
+    <a:masterClrMapping/>
+  </p:clrMapOvr>
+  <mc:AlternateContent xmlns:mc="http://schemas.openxmlformats.org/markup-compatibility/2006" xmlns:p14="http://schemas.microsoft.com/office/powerpoint/2010/main">
+    <mc:Choice Requires="p14">
+      <p:transition/>
+    </mc:Choice>
+    <mc:Fallback xmlns:dsp="http://schemas.microsoft.com/office/drawing/2008/diagram" xmlns:dgm="http://schemas.openxmlformats.org/drawingml/2006/diagram" xmlns:c="http://schemas.openxmlformats.org/drawingml/2006/chart" xmlns="">
+      <p:transition/>
+    </mc:Fallback>
+  </mc:AlternateContent>
+</p:sld>
+</file>
+
+<file path=ppt/slides/slide12.xml><?xml version="1.0" encoding="utf-8"?>
 <p:sld xmlns:a="http://schemas.openxmlformats.org/drawingml/2006/main" xmlns:r="http://schemas.openxmlformats.org/officeDocument/2006/relationships" xmlns:p="http://schemas.openxmlformats.org/presentationml/2006/main">
   <p:cSld>
     <p:bg>
@@ -32864,7 +33506,7 @@
     <mc:Choice Requires="p14">
       <p:transition/>
     </mc:Choice>
-    <mc:Fallback xmlns="" xmlns:c="http://schemas.openxmlformats.org/drawingml/2006/chart" xmlns:dgm="http://schemas.openxmlformats.org/drawingml/2006/diagram" xmlns:dsp="http://schemas.microsoft.com/office/drawing/2008/diagram">
+    <mc:Fallback xmlns:dsp="http://schemas.microsoft.com/office/drawing/2008/diagram" xmlns:dgm="http://schemas.openxmlformats.org/drawingml/2006/diagram" xmlns:c="http://schemas.openxmlformats.org/drawingml/2006/chart" xmlns="">
       <p:transition/>
     </mc:Fallback>
   </mc:AlternateContent>
@@ -33324,7 +33966,7 @@
     <mc:Choice Requires="p14">
       <p:transition/>
     </mc:Choice>
-    <mc:Fallback xmlns="" xmlns:c="http://schemas.openxmlformats.org/drawingml/2006/chart" xmlns:dgm="http://schemas.openxmlformats.org/drawingml/2006/diagram" xmlns:dsp="http://schemas.microsoft.com/office/drawing/2008/diagram">
+    <mc:Fallback xmlns:dsp="http://schemas.microsoft.com/office/drawing/2008/diagram" xmlns:dgm="http://schemas.openxmlformats.org/drawingml/2006/diagram" xmlns:c="http://schemas.openxmlformats.org/drawingml/2006/chart" xmlns="">
       <p:transition/>
     </mc:Fallback>
   </mc:AlternateContent>
@@ -33396,54 +34038,6 @@
           </a:p>
         </p:txBody>
       </p:sp>
-      <p:pic>
-        <p:nvPicPr>
-          <p:cNvPr id="30" name="그림 29"/>
-          <p:cNvPicPr>
-            <a:picLocks noChangeAspect="1"/>
-          </p:cNvPicPr>
-          <p:nvPr/>
-        </p:nvPicPr>
-        <p:blipFill rotWithShape="1">
-          <a:blip r:embed="rId3"/>
-          <a:stretch>
-            <a:fillRect/>
-          </a:stretch>
-        </p:blipFill>
-        <p:spPr>
-          <a:xfrm>
-            <a:off x="9168148" y="3926752"/>
-            <a:ext cx="2803122" cy="2803122"/>
-          </a:xfrm>
-          <a:prstGeom prst="rect">
-            <a:avLst/>
-          </a:prstGeom>
-        </p:spPr>
-      </p:pic>
-      <p:pic>
-        <p:nvPicPr>
-          <p:cNvPr id="32" name="그림 31"/>
-          <p:cNvPicPr>
-            <a:picLocks noChangeAspect="1"/>
-          </p:cNvPicPr>
-          <p:nvPr/>
-        </p:nvPicPr>
-        <p:blipFill rotWithShape="1">
-          <a:blip r:embed="rId4"/>
-          <a:stretch>
-            <a:fillRect/>
-          </a:stretch>
-        </p:blipFill>
-        <p:spPr>
-          <a:xfrm>
-            <a:off x="10020550" y="4854396"/>
-            <a:ext cx="1918222" cy="1918222"/>
-          </a:xfrm>
-          <a:prstGeom prst="rect">
-            <a:avLst/>
-          </a:prstGeom>
-        </p:spPr>
-      </p:pic>
       <p:grpSp>
         <p:nvGrpSpPr>
           <p:cNvPr id="3" name="그룹 2">
@@ -33458,7 +34052,7 @@
         </p:nvGrpSpPr>
         <p:grpSpPr>
           <a:xfrm>
-            <a:off x="1249429" y="1648637"/>
+            <a:off x="1577903" y="1879273"/>
             <a:ext cx="3828598" cy="3099453"/>
             <a:chOff x="1249429" y="1648637"/>
             <a:chExt cx="3828598" cy="3099453"/>
@@ -33729,7 +34323,7 @@
         </p:nvGrpSpPr>
         <p:grpSpPr>
           <a:xfrm>
-            <a:off x="6583949" y="1648638"/>
+            <a:off x="6912423" y="1879274"/>
             <a:ext cx="3828598" cy="3099452"/>
             <a:chOff x="6583949" y="1648638"/>
             <a:chExt cx="3828598" cy="3099452"/>
@@ -33959,7 +34553,7 @@
         </p:nvSpPr>
         <p:spPr>
           <a:xfrm>
-            <a:off x="5167107" y="2895178"/>
+            <a:off x="5495581" y="3125814"/>
             <a:ext cx="1115627" cy="873539"/>
           </a:xfrm>
           <a:prstGeom prst="rightArrow">
@@ -34008,7 +34602,7 @@
         </p:nvSpPr>
         <p:spPr>
           <a:xfrm>
-            <a:off x="1249428" y="3006455"/>
+            <a:off x="1577902" y="3237091"/>
             <a:ext cx="1115627" cy="540309"/>
           </a:xfrm>
           <a:prstGeom prst="rect">
@@ -34055,7 +34649,7 @@
         </p:nvSpPr>
         <p:spPr>
           <a:xfrm>
-            <a:off x="6583949" y="3098307"/>
+            <a:off x="6912423" y="3328943"/>
             <a:ext cx="1115627" cy="540309"/>
           </a:xfrm>
           <a:prstGeom prst="rect">
@@ -34097,7 +34691,7 @@
     <mc:Choice Requires="p14">
       <p:transition/>
     </mc:Choice>
-    <mc:Fallback xmlns="" xmlns:c="http://schemas.openxmlformats.org/drawingml/2006/chart" xmlns:dgm="http://schemas.openxmlformats.org/drawingml/2006/diagram" xmlns:dsp="http://schemas.microsoft.com/office/drawing/2008/diagram">
+    <mc:Fallback xmlns:dsp="http://schemas.microsoft.com/office/drawing/2008/diagram" xmlns:dgm="http://schemas.openxmlformats.org/drawingml/2006/diagram" xmlns:c="http://schemas.openxmlformats.org/drawingml/2006/chart" xmlns="">
       <p:transition/>
     </mc:Fallback>
   </mc:AlternateContent>
@@ -34167,58 +34761,10 @@
       </p:sp>
       <p:pic>
         <p:nvPicPr>
-          <p:cNvPr id="30" name="그림 29"/>
-          <p:cNvPicPr>
-            <a:picLocks noChangeAspect="1"/>
-          </p:cNvPicPr>
-          <p:nvPr/>
-        </p:nvPicPr>
-        <p:blipFill rotWithShape="1">
-          <a:blip r:embed="rId3"/>
-          <a:stretch>
-            <a:fillRect/>
-          </a:stretch>
-        </p:blipFill>
-        <p:spPr>
-          <a:xfrm>
-            <a:off x="9168148" y="3926752"/>
-            <a:ext cx="2803122" cy="2803122"/>
-          </a:xfrm>
-          <a:prstGeom prst="rect">
-            <a:avLst/>
-          </a:prstGeom>
-        </p:spPr>
-      </p:pic>
-      <p:pic>
-        <p:nvPicPr>
-          <p:cNvPr id="32" name="그림 31"/>
-          <p:cNvPicPr>
-            <a:picLocks noChangeAspect="1"/>
-          </p:cNvPicPr>
-          <p:nvPr/>
-        </p:nvPicPr>
-        <p:blipFill rotWithShape="1">
-          <a:blip r:embed="rId4"/>
-          <a:stretch>
-            <a:fillRect/>
-          </a:stretch>
-        </p:blipFill>
-        <p:spPr>
-          <a:xfrm>
-            <a:off x="10020550" y="4854396"/>
-            <a:ext cx="1918222" cy="1918222"/>
-          </a:xfrm>
-          <a:prstGeom prst="rect">
-            <a:avLst/>
-          </a:prstGeom>
-        </p:spPr>
-      </p:pic>
-      <p:pic>
-        <p:nvPicPr>
-          <p:cNvPr id="5" name="그림 4">
+          <p:cNvPr id="7" name="그림 6">
             <a:extLst>
               <a:ext uri="{FF2B5EF4-FFF2-40B4-BE49-F238E27FC236}">
-                <a16:creationId xmlns:a16="http://schemas.microsoft.com/office/drawing/2014/main" id="{34A2B214-D98A-403F-B36D-1817A3EBD338}"/>
+                <a16:creationId xmlns:a16="http://schemas.microsoft.com/office/drawing/2014/main" id="{6AF2C361-947F-492A-B2F6-F72A0416AA76}"/>
               </a:ext>
             </a:extLst>
           </p:cNvPr>
@@ -34228,7 +34774,7 @@
           <p:nvPr/>
         </p:nvPicPr>
         <p:blipFill>
-          <a:blip r:embed="rId5">
+          <a:blip r:embed="rId3">
             <a:extLst>
               <a:ext uri="{28A0092B-C50C-407E-A947-70E740481C1C}">
                 <a14:useLocalDpi xmlns:a14="http://schemas.microsoft.com/office/drawing/2010/main" val="0"/>
@@ -34241,14 +34787,171 @@
         </p:blipFill>
         <p:spPr>
           <a:xfrm>
-            <a:off x="1025048" y="1258336"/>
-            <a:ext cx="8569301" cy="5336831"/>
+            <a:off x="82986" y="1362228"/>
+            <a:ext cx="6477611" cy="5288571"/>
           </a:xfrm>
           <a:prstGeom prst="rect">
             <a:avLst/>
           </a:prstGeom>
         </p:spPr>
       </p:pic>
+      <p:sp>
+        <p:nvSpPr>
+          <p:cNvPr id="11" name="TextBox 10">
+            <a:extLst>
+              <a:ext uri="{FF2B5EF4-FFF2-40B4-BE49-F238E27FC236}">
+                <a16:creationId xmlns:a16="http://schemas.microsoft.com/office/drawing/2014/main" id="{3A7EB67F-4B47-4942-87C6-57F0FC3788F8}"/>
+              </a:ext>
+            </a:extLst>
+          </p:cNvPr>
+          <p:cNvSpPr txBox="1"/>
+          <p:nvPr/>
+        </p:nvSpPr>
+        <p:spPr>
+          <a:xfrm>
+            <a:off x="6643844" y="1959799"/>
+            <a:ext cx="5646821" cy="3631763"/>
+          </a:xfrm>
+          <a:prstGeom prst="rect">
+            <a:avLst/>
+          </a:prstGeom>
+        </p:spPr>
+        <p:txBody>
+          <a:bodyPr wrap="square" rtlCol="0">
+            <a:spAutoFit/>
+          </a:bodyPr>
+          <a:lstStyle/>
+          <a:p>
+            <a:pPr marL="285750" indent="-285750">
+              <a:lnSpc>
+                <a:spcPct val="150000"/>
+              </a:lnSpc>
+              <a:buFont typeface="Arial" panose="020B0604020202020204" pitchFamily="34" charset="0"/>
+              <a:buChar char="•"/>
+            </a:pPr>
+            <a:r>
+              <a:rPr lang="en-US" altLang="ko-KR" sz="2000" b="1" dirty="0" err="1"/>
+              <a:t>FileHandler</a:t>
+            </a:r>
+            <a:r>
+              <a:rPr lang="en-US" altLang="ko-KR" sz="2000" b="1" dirty="0"/>
+              <a:t> : txt</a:t>
+            </a:r>
+            <a:r>
+              <a:rPr lang="ko-KR" altLang="en-US" sz="2000" b="1" dirty="0"/>
+              <a:t>파일 입출력</a:t>
+            </a:r>
+            <a:endParaRPr lang="en-US" altLang="ko-KR" sz="2000" b="1" dirty="0"/>
+          </a:p>
+          <a:p>
+            <a:pPr marL="285750" indent="-285750">
+              <a:lnSpc>
+                <a:spcPct val="150000"/>
+              </a:lnSpc>
+              <a:buFont typeface="Arial" panose="020B0604020202020204" pitchFamily="34" charset="0"/>
+              <a:buChar char="•"/>
+            </a:pPr>
+            <a:r>
+              <a:rPr lang="en-US" altLang="ko-KR" sz="2000" b="1" dirty="0"/>
+              <a:t>Movie : </a:t>
+            </a:r>
+            <a:r>
+              <a:rPr lang="ko-KR" altLang="en-US" sz="2000" b="1" dirty="0"/>
+              <a:t>영화 클래스</a:t>
+            </a:r>
+            <a:endParaRPr lang="en-US" altLang="ko-KR" sz="2000" b="1" dirty="0"/>
+          </a:p>
+          <a:p>
+            <a:pPr marL="285750" indent="-285750">
+              <a:lnSpc>
+                <a:spcPct val="150000"/>
+              </a:lnSpc>
+              <a:buFont typeface="Arial" panose="020B0604020202020204" pitchFamily="34" charset="0"/>
+              <a:buChar char="•"/>
+            </a:pPr>
+            <a:r>
+              <a:rPr lang="en-US" altLang="ko-KR" sz="2000" b="1" dirty="0" err="1"/>
+              <a:t>NodeHandler</a:t>
+            </a:r>
+            <a:r>
+              <a:rPr lang="en-US" altLang="ko-KR" sz="2000" b="1" dirty="0"/>
+              <a:t> : </a:t>
+            </a:r>
+            <a:r>
+              <a:rPr lang="ko-KR" altLang="en-US" sz="2000" b="1" dirty="0"/>
+              <a:t>노드 역할을 하는 “</a:t>
+            </a:r>
+            <a:r>
+              <a:rPr lang="en-US" altLang="ko-KR" sz="2000" b="1" dirty="0"/>
+              <a:t>Person”</a:t>
+            </a:r>
+            <a:r>
+              <a:rPr lang="ko-KR" altLang="en-US" sz="2000" b="1" dirty="0"/>
+              <a:t>을 다룸</a:t>
+            </a:r>
+            <a:endParaRPr lang="en-US" altLang="ko-KR" sz="2000" b="1" dirty="0"/>
+          </a:p>
+          <a:p>
+            <a:pPr marL="285750" indent="-285750">
+              <a:lnSpc>
+                <a:spcPct val="150000"/>
+              </a:lnSpc>
+              <a:buFont typeface="Arial" panose="020B0604020202020204" pitchFamily="34" charset="0"/>
+              <a:buChar char="•"/>
+            </a:pPr>
+            <a:r>
+              <a:rPr lang="en-US" altLang="ko-KR" sz="2000" b="1" dirty="0" err="1"/>
+              <a:t>OpenApi</a:t>
+            </a:r>
+            <a:r>
+              <a:rPr lang="en-US" altLang="ko-KR" sz="2000" b="1" dirty="0"/>
+              <a:t> : </a:t>
+            </a:r>
+            <a:r>
+              <a:rPr lang="ko-KR" altLang="en-US" sz="2000" b="1" dirty="0"/>
+              <a:t>공공데이터 서버와 대화하여 데이터</a:t>
+            </a:r>
+            <a:r>
+              <a:rPr lang="en-US" altLang="ko-KR" sz="2000" b="1" dirty="0"/>
+              <a:t>(XML)</a:t>
+            </a:r>
+            <a:r>
+              <a:rPr lang="ko-KR" altLang="en-US" sz="2000" b="1" dirty="0"/>
+              <a:t>를 받고 </a:t>
+            </a:r>
+            <a:r>
+              <a:rPr lang="ko-KR" altLang="en-US" sz="2000" b="1" dirty="0" err="1"/>
+              <a:t>파싱하기</a:t>
+            </a:r>
+            <a:r>
+              <a:rPr lang="ko-KR" altLang="en-US" sz="2000" b="1" dirty="0"/>
+              <a:t> 위한 클래스</a:t>
+            </a:r>
+            <a:endParaRPr lang="en-US" altLang="ko-KR" sz="2000" b="1" dirty="0"/>
+          </a:p>
+          <a:p>
+            <a:pPr marL="285750" indent="-285750">
+              <a:lnSpc>
+                <a:spcPct val="150000"/>
+              </a:lnSpc>
+              <a:buFont typeface="Arial" panose="020B0604020202020204" pitchFamily="34" charset="0"/>
+              <a:buChar char="•"/>
+            </a:pPr>
+            <a:r>
+              <a:rPr lang="en-US" altLang="ko-KR" sz="2000" b="1" dirty="0"/>
+              <a:t>Person : </a:t>
+            </a:r>
+            <a:r>
+              <a:rPr lang="ko-KR" altLang="en-US" sz="2000" b="1" dirty="0"/>
+              <a:t>노드 역할을 하는 배우 클래스</a:t>
+            </a:r>
+            <a:endParaRPr lang="en-US" altLang="ko-KR" sz="2000" b="1" dirty="0"/>
+          </a:p>
+          <a:p>
+            <a:endParaRPr lang="ko-KR" altLang="en-US" sz="2000" b="1" dirty="0"/>
+          </a:p>
+        </p:txBody>
+      </p:sp>
     </p:spTree>
     <p:extLst>
       <p:ext uri="{BB962C8B-B14F-4D97-AF65-F5344CB8AC3E}">
@@ -34263,7 +34966,7 @@
     <mc:Choice Requires="p14">
       <p:transition/>
     </mc:Choice>
-    <mc:Fallback xmlns="" xmlns:c="http://schemas.openxmlformats.org/drawingml/2006/chart" xmlns:dgm="http://schemas.openxmlformats.org/drawingml/2006/diagram" xmlns:dsp="http://schemas.microsoft.com/office/drawing/2008/diagram">
+    <mc:Fallback xmlns:dsp="http://schemas.microsoft.com/office/drawing/2008/diagram" xmlns:dgm="http://schemas.openxmlformats.org/drawingml/2006/diagram" xmlns:c="http://schemas.openxmlformats.org/drawingml/2006/chart" xmlns="">
       <p:transition/>
     </mc:Fallback>
   </mc:AlternateContent>
@@ -34326,100 +35029,17 @@
                 <a:latin typeface="한컴 고딕"/>
                 <a:ea typeface="한컴 고딕"/>
               </a:rPr>
-              <a:t>구현</a:t>
+              <a:t>주요 함수</a:t>
             </a:r>
           </a:p>
         </p:txBody>
       </p:sp>
-      <p:pic>
-        <p:nvPicPr>
-          <p:cNvPr id="30" name="그림 29"/>
-          <p:cNvPicPr>
-            <a:picLocks noChangeAspect="1"/>
-          </p:cNvPicPr>
-          <p:nvPr/>
-        </p:nvPicPr>
-        <p:blipFill rotWithShape="1">
-          <a:blip r:embed="rId3"/>
-          <a:stretch>
-            <a:fillRect/>
-          </a:stretch>
-        </p:blipFill>
-        <p:spPr>
-          <a:xfrm>
-            <a:off x="9168148" y="3926752"/>
-            <a:ext cx="2803122" cy="2803122"/>
-          </a:xfrm>
-          <a:prstGeom prst="rect">
-            <a:avLst/>
-          </a:prstGeom>
-        </p:spPr>
-      </p:pic>
-      <p:pic>
-        <p:nvPicPr>
-          <p:cNvPr id="32" name="그림 31"/>
-          <p:cNvPicPr>
-            <a:picLocks noChangeAspect="1"/>
-          </p:cNvPicPr>
-          <p:nvPr/>
-        </p:nvPicPr>
-        <p:blipFill rotWithShape="1">
-          <a:blip r:embed="rId4"/>
-          <a:stretch>
-            <a:fillRect/>
-          </a:stretch>
-        </p:blipFill>
-        <p:spPr>
-          <a:xfrm>
-            <a:off x="10020550" y="4854396"/>
-            <a:ext cx="1918222" cy="1918222"/>
-          </a:xfrm>
-          <a:prstGeom prst="rect">
-            <a:avLst/>
-          </a:prstGeom>
-        </p:spPr>
-      </p:pic>
-      <p:pic>
-        <p:nvPicPr>
-          <p:cNvPr id="7" name="그림 6">
+      <p:sp>
+        <p:nvSpPr>
+          <p:cNvPr id="2" name="TextBox 1">
             <a:extLst>
               <a:ext uri="{FF2B5EF4-FFF2-40B4-BE49-F238E27FC236}">
-                <a16:creationId xmlns:a16="http://schemas.microsoft.com/office/drawing/2014/main" id="{621F981A-39A2-4847-AF56-D4DDCBE9489A}"/>
-              </a:ext>
-            </a:extLst>
-          </p:cNvPr>
-          <p:cNvPicPr>
-            <a:picLocks noChangeAspect="1"/>
-          </p:cNvPicPr>
-          <p:nvPr/>
-        </p:nvPicPr>
-        <p:blipFill rotWithShape="1">
-          <a:blip r:embed="rId5">
-            <a:extLst>
-              <a:ext uri="{28A0092B-C50C-407E-A947-70E740481C1C}">
-                <a14:useLocalDpi xmlns:a14="http://schemas.microsoft.com/office/drawing/2010/main" val="0"/>
-              </a:ext>
-            </a:extLst>
-          </a:blip>
-          <a:srcRect r="35042"/>
-          <a:stretch/>
-        </p:blipFill>
-        <p:spPr>
-          <a:xfrm>
-            <a:off x="762473" y="1635878"/>
-            <a:ext cx="3560255" cy="4581748"/>
-          </a:xfrm>
-          <a:prstGeom prst="rect">
-            <a:avLst/>
-          </a:prstGeom>
-        </p:spPr>
-      </p:pic>
-      <p:sp>
-        <p:nvSpPr>
-          <p:cNvPr id="9" name="TextBox 8">
-            <a:extLst>
-              <a:ext uri="{FF2B5EF4-FFF2-40B4-BE49-F238E27FC236}">
-                <a16:creationId xmlns:a16="http://schemas.microsoft.com/office/drawing/2014/main" id="{A26D8FB0-EF56-4FC9-99A0-50977A92BC22}"/>
+                <a16:creationId xmlns:a16="http://schemas.microsoft.com/office/drawing/2014/main" id="{339EE550-44BE-4928-876B-AE0A4D914C32}"/>
               </a:ext>
             </a:extLst>
           </p:cNvPr>
@@ -34428,8 +35048,8 @@
         </p:nvSpPr>
         <p:spPr>
           <a:xfrm>
-            <a:off x="4719473" y="1209877"/>
-            <a:ext cx="5646821" cy="5447645"/>
+            <a:off x="497150" y="1509204"/>
+            <a:ext cx="9523400" cy="646331"/>
           </a:xfrm>
           <a:prstGeom prst="rect">
             <a:avLst/>
@@ -34441,162 +35061,270 @@
           </a:bodyPr>
           <a:lstStyle/>
           <a:p>
-            <a:pPr marL="285750" indent="-285750">
-              <a:lnSpc>
-                <a:spcPct val="150000"/>
-              </a:lnSpc>
-              <a:buFont typeface="Arial" panose="020B0604020202020204" pitchFamily="34" charset="0"/>
-              <a:buChar char="•"/>
-            </a:pPr>
             <a:r>
-              <a:rPr lang="en-US" altLang="ko-KR" sz="2400" b="1" dirty="0" err="1"/>
-              <a:t>FileHandler</a:t>
+              <a:rPr lang="en-US" altLang="ko-KR" b="1" dirty="0">
+                <a:solidFill>
+                  <a:schemeClr val="accent1"/>
+                </a:solidFill>
+              </a:rPr>
+              <a:t>float </a:t>
             </a:r>
             <a:r>
-              <a:rPr lang="en-US" altLang="ko-KR" sz="2400" b="1" dirty="0"/>
-              <a:t> : txt</a:t>
+              <a:rPr lang="en-US" altLang="ko-KR" b="1" dirty="0" err="1">
+                <a:solidFill>
+                  <a:schemeClr val="accent1"/>
+                </a:solidFill>
+              </a:rPr>
+              <a:t>calAverage</a:t>
             </a:r>
             <a:r>
-              <a:rPr lang="ko-KR" altLang="en-US" sz="2400" b="1" dirty="0"/>
-              <a:t>파일 입출력</a:t>
-            </a:r>
-            <a:endParaRPr lang="en-US" altLang="ko-KR" sz="2400" b="1" dirty="0"/>
-          </a:p>
-          <a:p>
-            <a:pPr marL="285750" indent="-285750">
-              <a:lnSpc>
-                <a:spcPct val="150000"/>
-              </a:lnSpc>
-              <a:buFont typeface="Arial" panose="020B0604020202020204" pitchFamily="34" charset="0"/>
-              <a:buChar char="•"/>
-            </a:pPr>
-            <a:r>
-              <a:rPr lang="en-US" altLang="ko-KR" sz="2400" b="1" dirty="0" err="1"/>
-              <a:t>JavaApp</a:t>
+              <a:rPr lang="en-US" altLang="ko-KR" b="1" dirty="0">
+                <a:solidFill>
+                  <a:schemeClr val="accent1"/>
+                </a:solidFill>
+              </a:rPr>
+              <a:t>(Person p) </a:t>
             </a:r>
             <a:r>
-              <a:rPr lang="en-US" altLang="ko-KR" sz="2400" b="1" dirty="0"/>
-              <a:t> : main </a:t>
+              <a:rPr lang="en-US" altLang="ko-KR" b="1" dirty="0"/>
+              <a:t>: </a:t>
             </a:r>
             <a:r>
-              <a:rPr lang="ko-KR" altLang="en-US" sz="2400" b="1" dirty="0"/>
-              <a:t>함수 부</a:t>
-            </a:r>
-            <a:endParaRPr lang="en-US" altLang="ko-KR" sz="2400" b="1" dirty="0"/>
-          </a:p>
-          <a:p>
-            <a:pPr marL="285750" indent="-285750">
-              <a:lnSpc>
-                <a:spcPct val="150000"/>
-              </a:lnSpc>
-              <a:buFont typeface="Arial" panose="020B0604020202020204" pitchFamily="34" charset="0"/>
-              <a:buChar char="•"/>
-            </a:pPr>
-            <a:r>
-              <a:rPr lang="en-US" altLang="ko-KR" sz="2400" b="1" dirty="0"/>
-              <a:t>Movie : </a:t>
+              <a:rPr lang="ko-KR" altLang="en-US" b="1" dirty="0"/>
+              <a:t>노드 </a:t>
             </a:r>
             <a:r>
-              <a:rPr lang="ko-KR" altLang="en-US" sz="2400" b="1" dirty="0"/>
-              <a:t>영화 클래스</a:t>
-            </a:r>
-            <a:endParaRPr lang="en-US" altLang="ko-KR" sz="2400" b="1" dirty="0"/>
-          </a:p>
-          <a:p>
-            <a:pPr marL="285750" indent="-285750">
-              <a:lnSpc>
-                <a:spcPct val="150000"/>
-              </a:lnSpc>
-              <a:buFont typeface="Arial" panose="020B0604020202020204" pitchFamily="34" charset="0"/>
-              <a:buChar char="•"/>
-            </a:pPr>
-            <a:r>
-              <a:rPr lang="en-US" altLang="ko-KR" sz="2400" b="1" dirty="0" err="1"/>
-              <a:t>NodeHandler</a:t>
+              <a:rPr lang="en-US" altLang="ko-KR" b="1" dirty="0"/>
+              <a:t>P</a:t>
             </a:r>
             <a:r>
-              <a:rPr lang="en-US" altLang="ko-KR" sz="2400" b="1" dirty="0"/>
-              <a:t> : </a:t>
+              <a:rPr lang="ko-KR" altLang="en-US" b="1" dirty="0"/>
+              <a:t>를 기준으로 </a:t>
             </a:r>
             <a:r>
-              <a:rPr lang="ko-KR" altLang="en-US" sz="2400" b="1" dirty="0"/>
-              <a:t>노드 역할을 하는 “</a:t>
+              <a:rPr lang="en-US" altLang="ko-KR" b="1" dirty="0"/>
+              <a:t>BFS </a:t>
             </a:r>
             <a:r>
-              <a:rPr lang="en-US" altLang="ko-KR" sz="2400" b="1" dirty="0"/>
-              <a:t>Person”</a:t>
+              <a:rPr lang="ko-KR" altLang="en-US" b="1" dirty="0"/>
+              <a:t>탐색을 통해 연결 노드를 탐색하고 각 노드와의 거리를 계산하여 평균치를 반환</a:t>
             </a:r>
             <a:r>
-              <a:rPr lang="ko-KR" altLang="en-US" sz="2400" b="1" dirty="0"/>
-              <a:t>을 다룸</a:t>
+              <a:rPr lang="en-US" altLang="ko-KR" b="1" dirty="0"/>
+              <a:t> </a:t>
             </a:r>
-            <a:endParaRPr lang="en-US" altLang="ko-KR" sz="2400" b="1" dirty="0"/>
+            <a:endParaRPr lang="ko-KR" altLang="en-US" dirty="0"/>
           </a:p>
+        </p:txBody>
+      </p:sp>
+      <p:sp>
+        <p:nvSpPr>
+          <p:cNvPr id="3" name="TextBox 2">
+            <a:extLst>
+              <a:ext uri="{FF2B5EF4-FFF2-40B4-BE49-F238E27FC236}">
+                <a16:creationId xmlns:a16="http://schemas.microsoft.com/office/drawing/2014/main" id="{963BB8AB-0122-4B05-B12B-EF84BE2EEB3F}"/>
+              </a:ext>
+            </a:extLst>
+          </p:cNvPr>
+          <p:cNvSpPr txBox="1"/>
+          <p:nvPr/>
+        </p:nvSpPr>
+        <p:spPr>
+          <a:xfrm>
+            <a:off x="497150" y="2561916"/>
+            <a:ext cx="10111666" cy="369332"/>
+          </a:xfrm>
+          <a:prstGeom prst="rect">
+            <a:avLst/>
+          </a:prstGeom>
+        </p:spPr>
+        <p:txBody>
+          <a:bodyPr wrap="square" rtlCol="0">
+            <a:spAutoFit/>
+          </a:bodyPr>
+          <a:lstStyle/>
           <a:p>
-            <a:pPr marL="285750" indent="-285750">
-              <a:lnSpc>
-                <a:spcPct val="150000"/>
-              </a:lnSpc>
-              <a:buFont typeface="Arial" panose="020B0604020202020204" pitchFamily="34" charset="0"/>
-              <a:buChar char="•"/>
-            </a:pPr>
             <a:r>
-              <a:rPr lang="en-US" altLang="ko-KR" sz="2400" b="1" dirty="0" err="1"/>
-              <a:t>OpenApi</a:t>
+              <a:rPr lang="en-US" altLang="ko-KR" b="1" dirty="0" err="1">
+                <a:solidFill>
+                  <a:schemeClr val="accent1"/>
+                </a:solidFill>
+              </a:rPr>
+              <a:t>ArrayList</a:t>
             </a:r>
             <a:r>
-              <a:rPr lang="en-US" altLang="ko-KR" sz="2400" b="1" dirty="0"/>
-              <a:t> : </a:t>
+              <a:rPr lang="en-US" altLang="ko-KR" b="1" dirty="0">
+                <a:solidFill>
+                  <a:schemeClr val="accent1"/>
+                </a:solidFill>
+              </a:rPr>
+              <a:t>&lt;Person&gt; </a:t>
             </a:r>
             <a:r>
-              <a:rPr lang="ko-KR" altLang="en-US" sz="2400" b="1" dirty="0"/>
-              <a:t>저장된 코드목록을 통해 서버로 영화 정보</a:t>
+              <a:rPr lang="en-US" altLang="ko-KR" b="1" dirty="0" err="1">
+                <a:solidFill>
+                  <a:schemeClr val="accent1"/>
+                </a:solidFill>
+              </a:rPr>
+              <a:t>getPath</a:t>
             </a:r>
             <a:r>
-              <a:rPr lang="en-US" altLang="ko-KR" sz="2400" b="1" dirty="0"/>
-              <a:t>(XML)</a:t>
+              <a:rPr lang="en-US" altLang="ko-KR" b="1" dirty="0">
+                <a:solidFill>
+                  <a:schemeClr val="accent1"/>
+                </a:solidFill>
+              </a:rPr>
+              <a:t>(Person start, Person end) </a:t>
             </a:r>
             <a:r>
-              <a:rPr lang="ko-KR" altLang="en-US" sz="2400" b="1" dirty="0"/>
-              <a:t>를 받고 </a:t>
+              <a:rPr lang="en-US" altLang="ko-KR" b="1" dirty="0"/>
+              <a:t>: start</a:t>
             </a:r>
             <a:r>
-              <a:rPr lang="ko-KR" altLang="en-US" sz="2400" b="1" dirty="0" err="1"/>
-              <a:t>파싱하기</a:t>
+              <a:rPr lang="ko-KR" altLang="en-US" b="1" dirty="0"/>
+              <a:t>부터 </a:t>
             </a:r>
             <a:r>
-              <a:rPr lang="ko-KR" altLang="en-US" sz="2400" b="1" dirty="0"/>
-              <a:t> 위한 클래스</a:t>
-            </a:r>
-            <a:endParaRPr lang="en-US" altLang="ko-KR" sz="2400" b="1" dirty="0"/>
-          </a:p>
-          <a:p>
-            <a:pPr marL="285750" indent="-285750">
-              <a:lnSpc>
-                <a:spcPct val="150000"/>
-              </a:lnSpc>
-              <a:buFont typeface="Arial" panose="020B0604020202020204" pitchFamily="34" charset="0"/>
-              <a:buChar char="•"/>
-            </a:pPr>
-            <a:r>
-              <a:rPr lang="en-US" altLang="ko-KR" sz="2400" b="1" dirty="0"/>
-              <a:t>Person : </a:t>
+              <a:rPr lang="en-US" altLang="ko-KR" b="1" dirty="0"/>
+              <a:t>end</a:t>
             </a:r>
             <a:r>
-              <a:rPr lang="ko-KR" altLang="en-US" sz="2400" b="1" dirty="0"/>
-              <a:t>노드 역할을 하는 배우</a:t>
+              <a:rPr lang="ko-KR" altLang="en-US" b="1" dirty="0"/>
+              <a:t>까지 경로 리스트를 반환</a:t>
             </a:r>
-            <a:endParaRPr lang="en-US" altLang="ko-KR" sz="2400" b="1" dirty="0"/>
           </a:p>
+        </p:txBody>
+      </p:sp>
+      <p:sp>
+        <p:nvSpPr>
+          <p:cNvPr id="4" name="TextBox 3">
+            <a:extLst>
+              <a:ext uri="{FF2B5EF4-FFF2-40B4-BE49-F238E27FC236}">
+                <a16:creationId xmlns:a16="http://schemas.microsoft.com/office/drawing/2014/main" id="{444AC2AE-4FB5-4F93-ABCB-CE2D2479E282}"/>
+              </a:ext>
+            </a:extLst>
+          </p:cNvPr>
+          <p:cNvSpPr txBox="1"/>
+          <p:nvPr/>
+        </p:nvSpPr>
+        <p:spPr>
+          <a:xfrm>
+            <a:off x="497150" y="3338004"/>
+            <a:ext cx="10413506" cy="646331"/>
+          </a:xfrm>
+          <a:prstGeom prst="rect">
+            <a:avLst/>
+          </a:prstGeom>
+        </p:spPr>
+        <p:txBody>
+          <a:bodyPr wrap="square" rtlCol="0">
+            <a:spAutoFit/>
+          </a:bodyPr>
+          <a:lstStyle/>
           <a:p>
-            <a:endParaRPr lang="ko-KR" altLang="en-US" sz="2400" b="1" dirty="0"/>
+            <a:r>
+              <a:rPr lang="en-US" altLang="ko-KR" b="1" dirty="0">
+                <a:solidFill>
+                  <a:schemeClr val="accent1"/>
+                </a:solidFill>
+              </a:rPr>
+              <a:t>void </a:t>
+            </a:r>
+            <a:r>
+              <a:rPr lang="en-US" altLang="ko-KR" b="1" dirty="0" err="1">
+                <a:solidFill>
+                  <a:schemeClr val="accent1"/>
+                </a:solidFill>
+              </a:rPr>
+              <a:t>getMovieList</a:t>
+            </a:r>
+            <a:r>
+              <a:rPr lang="en-US" altLang="ko-KR" b="1" dirty="0">
+                <a:solidFill>
+                  <a:schemeClr val="accent1"/>
+                </a:solidFill>
+              </a:rPr>
+              <a:t>(String start, String end) </a:t>
+            </a:r>
+            <a:r>
+              <a:rPr lang="en-US" altLang="ko-KR" b="1" dirty="0"/>
+              <a:t>: start </a:t>
+            </a:r>
+            <a:r>
+              <a:rPr lang="ko-KR" altLang="en-US" b="1" dirty="0"/>
+              <a:t>년도부터 </a:t>
+            </a:r>
+            <a:r>
+              <a:rPr lang="en-US" altLang="ko-KR" b="1" dirty="0"/>
+              <a:t>end </a:t>
+            </a:r>
+            <a:r>
+              <a:rPr lang="ko-KR" altLang="en-US" b="1" dirty="0"/>
+              <a:t>년도까지 개봉한 영화들의 데이터를 공공데이터 서버로부터 받아와 </a:t>
+            </a:r>
+            <a:r>
+              <a:rPr lang="ko-KR" altLang="en-US" b="1" dirty="0" err="1"/>
+              <a:t>파싱하여</a:t>
+            </a:r>
+            <a:r>
+              <a:rPr lang="ko-KR" altLang="en-US" b="1" dirty="0"/>
+              <a:t> 저장</a:t>
+            </a:r>
+            <a:endParaRPr lang="ko-KR" altLang="en-US" dirty="0"/>
+          </a:p>
+        </p:txBody>
+      </p:sp>
+      <p:sp>
+        <p:nvSpPr>
+          <p:cNvPr id="5" name="TextBox 4">
+            <a:extLst>
+              <a:ext uri="{FF2B5EF4-FFF2-40B4-BE49-F238E27FC236}">
+                <a16:creationId xmlns:a16="http://schemas.microsoft.com/office/drawing/2014/main" id="{34D8FB95-E587-4CF0-9D0B-411694F27E98}"/>
+              </a:ext>
+            </a:extLst>
+          </p:cNvPr>
+          <p:cNvSpPr txBox="1"/>
+          <p:nvPr/>
+        </p:nvSpPr>
+        <p:spPr>
+          <a:xfrm>
+            <a:off x="568171" y="4376691"/>
+            <a:ext cx="10156054" cy="369332"/>
+          </a:xfrm>
+          <a:prstGeom prst="rect">
+            <a:avLst/>
+          </a:prstGeom>
+        </p:spPr>
+        <p:txBody>
+          <a:bodyPr wrap="square" rtlCol="0">
+            <a:spAutoFit/>
+          </a:bodyPr>
+          <a:lstStyle/>
+          <a:p>
+            <a:r>
+              <a:rPr lang="en-US" altLang="ko-KR" b="1" dirty="0">
+                <a:solidFill>
+                  <a:schemeClr val="accent1"/>
+                </a:solidFill>
+              </a:rPr>
+              <a:t>void Connect(Movie movie) </a:t>
+            </a:r>
+            <a:r>
+              <a:rPr lang="en-US" altLang="ko-KR" b="1" dirty="0"/>
+              <a:t>: </a:t>
+            </a:r>
+            <a:r>
+              <a:rPr lang="ko-KR" altLang="en-US" b="1" dirty="0"/>
+              <a:t>영화 객체를 받아 출연진 목록을 조회하여 출연진 목록 업데이트</a:t>
+            </a:r>
+            <a:endParaRPr lang="ko-KR" altLang="en-US" dirty="0"/>
           </a:p>
         </p:txBody>
       </p:sp>
     </p:spTree>
     <p:extLst>
       <p:ext uri="{BB962C8B-B14F-4D97-AF65-F5344CB8AC3E}">
-        <p14:creationId xmlns:p14="http://schemas.microsoft.com/office/powerpoint/2010/main" val="2149289792"/>
+        <p14:creationId xmlns:p14="http://schemas.microsoft.com/office/powerpoint/2010/main" val="3869209025"/>
       </p:ext>
     </p:extLst>
   </p:cSld>
@@ -34607,7 +35335,7 @@
     <mc:Choice Requires="p14">
       <p:transition/>
     </mc:Choice>
-    <mc:Fallback xmlns="" xmlns:c="http://schemas.openxmlformats.org/drawingml/2006/chart" xmlns:dgm="http://schemas.openxmlformats.org/drawingml/2006/diagram" xmlns:dsp="http://schemas.microsoft.com/office/drawing/2008/diagram">
+    <mc:Fallback xmlns:dsp="http://schemas.microsoft.com/office/drawing/2008/diagram" xmlns:dgm="http://schemas.openxmlformats.org/drawingml/2006/diagram" xmlns:c="http://schemas.openxmlformats.org/drawingml/2006/chart" xmlns="">
       <p:transition/>
     </mc:Fallback>
   </mc:AlternateContent>
@@ -34670,29 +35398,41 @@
                 <a:latin typeface="한컴 고딕"/>
                 <a:ea typeface="한컴 고딕"/>
               </a:rPr>
-              <a:t>데이터 수집</a:t>
+              <a:t>실행</a:t>
             </a:r>
           </a:p>
         </p:txBody>
       </p:sp>
       <p:pic>
         <p:nvPicPr>
-          <p:cNvPr id="30" name="그림 29"/>
+          <p:cNvPr id="7" name="그림 6">
+            <a:extLst>
+              <a:ext uri="{FF2B5EF4-FFF2-40B4-BE49-F238E27FC236}">
+                <a16:creationId xmlns:a16="http://schemas.microsoft.com/office/drawing/2014/main" id="{48503C18-1072-4E12-81AF-A6762DC55189}"/>
+              </a:ext>
+            </a:extLst>
+          </p:cNvPr>
           <p:cNvPicPr>
             <a:picLocks noChangeAspect="1"/>
           </p:cNvPicPr>
           <p:nvPr/>
         </p:nvPicPr>
-        <p:blipFill rotWithShape="1">
-          <a:blip r:embed="rId3"/>
+        <p:blipFill>
+          <a:blip r:embed="rId3">
+            <a:extLst>
+              <a:ext uri="{28A0092B-C50C-407E-A947-70E740481C1C}">
+                <a14:useLocalDpi xmlns:a14="http://schemas.microsoft.com/office/drawing/2010/main" val="0"/>
+              </a:ext>
+            </a:extLst>
+          </a:blip>
           <a:stretch>
             <a:fillRect/>
           </a:stretch>
         </p:blipFill>
         <p:spPr>
           <a:xfrm>
-            <a:off x="9168148" y="3926752"/>
-            <a:ext cx="2803122" cy="2803122"/>
+            <a:off x="1270020" y="1613834"/>
+            <a:ext cx="5370241" cy="1267005"/>
           </a:xfrm>
           <a:prstGeom prst="rect">
             <a:avLst/>
@@ -34701,22 +35441,33 @@
       </p:pic>
       <p:pic>
         <p:nvPicPr>
-          <p:cNvPr id="32" name="그림 31"/>
+          <p:cNvPr id="9" name="그림 8">
+            <a:extLst>
+              <a:ext uri="{FF2B5EF4-FFF2-40B4-BE49-F238E27FC236}">
+                <a16:creationId xmlns:a16="http://schemas.microsoft.com/office/drawing/2014/main" id="{99AA8759-0148-45AD-9920-0DF18A422B59}"/>
+              </a:ext>
+            </a:extLst>
+          </p:cNvPr>
           <p:cNvPicPr>
             <a:picLocks noChangeAspect="1"/>
           </p:cNvPicPr>
           <p:nvPr/>
         </p:nvPicPr>
         <p:blipFill rotWithShape="1">
-          <a:blip r:embed="rId4"/>
-          <a:stretch>
-            <a:fillRect/>
-          </a:stretch>
+          <a:blip r:embed="rId4">
+            <a:extLst>
+              <a:ext uri="{28A0092B-C50C-407E-A947-70E740481C1C}">
+                <a14:useLocalDpi xmlns:a14="http://schemas.microsoft.com/office/drawing/2010/main" val="0"/>
+              </a:ext>
+            </a:extLst>
+          </a:blip>
+          <a:srcRect t="19605" r="28794" b="10794"/>
+          <a:stretch/>
         </p:blipFill>
         <p:spPr>
           <a:xfrm>
-            <a:off x="10020550" y="4854396"/>
-            <a:ext cx="1918222" cy="1918222"/>
+            <a:off x="1270020" y="2903217"/>
+            <a:ext cx="5370241" cy="1595631"/>
           </a:xfrm>
           <a:prstGeom prst="rect">
             <a:avLst/>
@@ -34725,10 +35476,10 @@
       </p:pic>
       <p:pic>
         <p:nvPicPr>
-          <p:cNvPr id="4" name="그림 3">
+          <p:cNvPr id="11" name="그림 10">
             <a:extLst>
               <a:ext uri="{FF2B5EF4-FFF2-40B4-BE49-F238E27FC236}">
-                <a16:creationId xmlns:a16="http://schemas.microsoft.com/office/drawing/2014/main" id="{B84AF314-9045-44BF-BB25-B757B4E8DF13}"/>
+                <a16:creationId xmlns:a16="http://schemas.microsoft.com/office/drawing/2014/main" id="{E267BE5A-1C76-46A3-B4F6-125EF2F7083C}"/>
               </a:ext>
             </a:extLst>
           </p:cNvPr>
@@ -34751,53 +35502,150 @@
         </p:blipFill>
         <p:spPr>
           <a:xfrm>
-            <a:off x="534520" y="1492273"/>
-            <a:ext cx="7123458" cy="4844892"/>
+            <a:off x="1270020" y="4521226"/>
+            <a:ext cx="5387434" cy="1903958"/>
           </a:xfrm>
           <a:prstGeom prst="rect">
             <a:avLst/>
           </a:prstGeom>
         </p:spPr>
       </p:pic>
-      <p:pic>
-        <p:nvPicPr>
-          <p:cNvPr id="7" name="그림 6">
+      <p:sp>
+        <p:nvSpPr>
+          <p:cNvPr id="13" name="TextBox 12">
             <a:extLst>
               <a:ext uri="{FF2B5EF4-FFF2-40B4-BE49-F238E27FC236}">
-                <a16:creationId xmlns:a16="http://schemas.microsoft.com/office/drawing/2014/main" id="{7BF7DB13-DA2C-46F1-9732-56A37474D88C}"/>
+                <a16:creationId xmlns:a16="http://schemas.microsoft.com/office/drawing/2014/main" id="{ECDA3817-5CA3-43C3-8281-6DBDCBE8D1A3}"/>
               </a:ext>
             </a:extLst>
           </p:cNvPr>
-          <p:cNvPicPr>
-            <a:picLocks noChangeAspect="1"/>
-          </p:cNvPicPr>
+          <p:cNvSpPr txBox="1"/>
           <p:nvPr/>
-        </p:nvPicPr>
-        <p:blipFill rotWithShape="1">
-          <a:blip r:embed="rId6">
-            <a:extLst>
-              <a:ext uri="{28A0092B-C50C-407E-A947-70E740481C1C}">
-                <a14:useLocalDpi xmlns:a14="http://schemas.microsoft.com/office/drawing/2010/main" val="0"/>
-              </a:ext>
-            </a:extLst>
-          </a:blip>
-          <a:srcRect r="58609"/>
-          <a:stretch/>
-        </p:blipFill>
+        </p:nvSpPr>
         <p:spPr>
           <a:xfrm>
-            <a:off x="8091115" y="201650"/>
-            <a:ext cx="3400267" cy="6454699"/>
+            <a:off x="7327392" y="1377696"/>
+            <a:ext cx="4242816" cy="4247317"/>
           </a:xfrm>
           <a:prstGeom prst="rect">
             <a:avLst/>
           </a:prstGeom>
         </p:spPr>
-      </p:pic>
+        <p:txBody>
+          <a:bodyPr wrap="square" rtlCol="0">
+            <a:spAutoFit/>
+          </a:bodyPr>
+          <a:lstStyle/>
+          <a:p>
+            <a:pPr marL="342900" indent="-342900">
+              <a:buAutoNum type="arabicPeriod"/>
+            </a:pPr>
+            <a:r>
+              <a:rPr lang="ko-KR" altLang="en-US" sz="2400" b="1" dirty="0" err="1"/>
+              <a:t>입력부</a:t>
+            </a:r>
+            <a:endParaRPr lang="en-US" altLang="ko-KR" sz="2400" b="1" dirty="0"/>
+          </a:p>
+          <a:p>
+            <a:r>
+              <a:rPr lang="en-US" altLang="ko-KR" b="1" dirty="0"/>
+              <a:t> - </a:t>
+            </a:r>
+            <a:r>
+              <a:rPr lang="ko-KR" altLang="en-US" b="1" dirty="0"/>
+              <a:t>발급받은 키 입력</a:t>
+            </a:r>
+            <a:endParaRPr lang="en-US" altLang="ko-KR" b="1" dirty="0"/>
+          </a:p>
+          <a:p>
+            <a:r>
+              <a:rPr lang="en-US" altLang="ko-KR" b="1" dirty="0"/>
+              <a:t> - </a:t>
+            </a:r>
+            <a:r>
+              <a:rPr lang="ko-KR" altLang="en-US" b="1" dirty="0"/>
+              <a:t>개봉 년도 </a:t>
+            </a:r>
+            <a:r>
+              <a:rPr lang="en-US" altLang="ko-KR" b="1" dirty="0"/>
+              <a:t>(start, end) </a:t>
+            </a:r>
+            <a:r>
+              <a:rPr lang="ko-KR" altLang="en-US" b="1" dirty="0"/>
+              <a:t>입력</a:t>
+            </a:r>
+            <a:endParaRPr lang="en-US" altLang="ko-KR" b="1" dirty="0"/>
+          </a:p>
+          <a:p>
+            <a:endParaRPr lang="en-US" altLang="ko-KR" b="1" dirty="0"/>
+          </a:p>
+          <a:p>
+            <a:endParaRPr lang="en-US" altLang="ko-KR" b="1" dirty="0"/>
+          </a:p>
+          <a:p>
+            <a:endParaRPr lang="en-US" altLang="ko-KR" b="1" dirty="0"/>
+          </a:p>
+          <a:p>
+            <a:endParaRPr lang="en-US" altLang="ko-KR" b="1" dirty="0"/>
+          </a:p>
+          <a:p>
+            <a:r>
+              <a:rPr lang="en-US" altLang="ko-KR" sz="2400" b="1" dirty="0"/>
+              <a:t>2. </a:t>
+            </a:r>
+            <a:r>
+              <a:rPr lang="ko-KR" altLang="en-US" sz="2400" b="1" dirty="0"/>
+              <a:t>실행과정</a:t>
+            </a:r>
+            <a:endParaRPr lang="en-US" altLang="ko-KR" sz="2400" b="1" dirty="0"/>
+          </a:p>
+          <a:p>
+            <a:r>
+              <a:rPr lang="en-US" altLang="ko-KR" b="1" dirty="0"/>
+              <a:t> -</a:t>
+            </a:r>
+            <a:r>
+              <a:rPr lang="ko-KR" altLang="en-US" b="1" dirty="0"/>
+              <a:t> 커넥션 성공 시 메시지 출력</a:t>
+            </a:r>
+            <a:endParaRPr lang="en-US" altLang="ko-KR" b="1" dirty="0"/>
+          </a:p>
+          <a:p>
+            <a:endParaRPr lang="en-US" altLang="ko-KR" b="1" dirty="0"/>
+          </a:p>
+          <a:p>
+            <a:endParaRPr lang="en-US" altLang="ko-KR" b="1" dirty="0"/>
+          </a:p>
+          <a:p>
+            <a:endParaRPr lang="en-US" altLang="ko-KR" b="1" dirty="0"/>
+          </a:p>
+          <a:p>
+            <a:r>
+              <a:rPr lang="en-US" altLang="ko-KR" sz="2400" b="1" dirty="0"/>
+              <a:t>3. </a:t>
+            </a:r>
+            <a:r>
+              <a:rPr lang="ko-KR" altLang="en-US" sz="2400" b="1" dirty="0"/>
+              <a:t>종료</a:t>
+            </a:r>
+            <a:endParaRPr lang="en-US" altLang="ko-KR" sz="2400" b="1" dirty="0"/>
+          </a:p>
+          <a:p>
+            <a:r>
+              <a:rPr lang="en-US" altLang="ko-KR" b="1" dirty="0"/>
+              <a:t> - </a:t>
+            </a:r>
+            <a:r>
+              <a:rPr lang="ko-KR" altLang="en-US" b="1" dirty="0"/>
+              <a:t>저장과 함께 프로그램 종료</a:t>
+            </a:r>
+          </a:p>
+        </p:txBody>
+      </p:sp>
     </p:spTree>
     <p:extLst>
       <p:ext uri="{BB962C8B-B14F-4D97-AF65-F5344CB8AC3E}">
-        <p14:creationId xmlns:p14="http://schemas.microsoft.com/office/powerpoint/2010/main" val="1166606962"/>
+        <p14:creationId xmlns:p14="http://schemas.microsoft.com/office/powerpoint/2010/main" val="4291190551"/>
       </p:ext>
     </p:extLst>
   </p:cSld>
@@ -34808,7 +35656,7 @@
     <mc:Choice Requires="p14">
       <p:transition/>
     </mc:Choice>
-    <mc:Fallback xmlns="" xmlns:c="http://schemas.openxmlformats.org/drawingml/2006/chart" xmlns:dgm="http://schemas.openxmlformats.org/drawingml/2006/diagram" xmlns:dsp="http://schemas.microsoft.com/office/drawing/2008/diagram">
+    <mc:Fallback xmlns:dsp="http://schemas.microsoft.com/office/drawing/2008/diagram" xmlns:dgm="http://schemas.openxmlformats.org/drawingml/2006/diagram" xmlns:c="http://schemas.openxmlformats.org/drawingml/2006/chart" xmlns="">
       <p:transition/>
     </mc:Fallback>
   </mc:AlternateContent>
@@ -34844,6 +35692,42 @@
           <a:chExt cx="0" cy="0"/>
         </a:xfrm>
       </p:grpSpPr>
+      <p:pic>
+        <p:nvPicPr>
+          <p:cNvPr id="4" name="그림 3">
+            <a:extLst>
+              <a:ext uri="{FF2B5EF4-FFF2-40B4-BE49-F238E27FC236}">
+                <a16:creationId xmlns:a16="http://schemas.microsoft.com/office/drawing/2014/main" id="{B84AF314-9045-44BF-BB25-B757B4E8DF13}"/>
+              </a:ext>
+            </a:extLst>
+          </p:cNvPr>
+          <p:cNvPicPr>
+            <a:picLocks noChangeAspect="1"/>
+          </p:cNvPicPr>
+          <p:nvPr/>
+        </p:nvPicPr>
+        <p:blipFill>
+          <a:blip r:embed="rId3">
+            <a:extLst>
+              <a:ext uri="{28A0092B-C50C-407E-A947-70E740481C1C}">
+                <a14:useLocalDpi xmlns:a14="http://schemas.microsoft.com/office/drawing/2010/main" val="0"/>
+              </a:ext>
+            </a:extLst>
+          </a:blip>
+          <a:stretch>
+            <a:fillRect/>
+          </a:stretch>
+        </p:blipFill>
+        <p:spPr>
+          <a:xfrm>
+            <a:off x="3867598" y="1196307"/>
+            <a:ext cx="8324402" cy="5661693"/>
+          </a:xfrm>
+          <a:prstGeom prst="rect">
+            <a:avLst/>
+          </a:prstGeom>
+        </p:spPr>
+      </p:pic>
       <p:sp>
         <p:nvSpPr>
           <p:cNvPr id="25" name="TextBox 24"/>
@@ -34871,216 +35755,125 @@
                 <a:latin typeface="한컴 고딕"/>
                 <a:ea typeface="한컴 고딕"/>
               </a:rPr>
-              <a:t>결과</a:t>
+              <a:t>데이터 수집</a:t>
             </a:r>
           </a:p>
         </p:txBody>
       </p:sp>
-      <p:pic>
-        <p:nvPicPr>
-          <p:cNvPr id="3" name="그림 2">
+      <p:sp>
+        <p:nvSpPr>
+          <p:cNvPr id="2" name="TextBox 1">
             <a:extLst>
               <a:ext uri="{FF2B5EF4-FFF2-40B4-BE49-F238E27FC236}">
-                <a16:creationId xmlns:a16="http://schemas.microsoft.com/office/drawing/2014/main" id="{D5BA75A2-02FA-40CA-8889-1A3E395573CC}"/>
+                <a16:creationId xmlns:a16="http://schemas.microsoft.com/office/drawing/2014/main" id="{C6D669D1-0019-4E66-95C5-1EED2806B00D}"/>
               </a:ext>
             </a:extLst>
           </p:cNvPr>
-          <p:cNvPicPr>
-            <a:picLocks noChangeAspect="1"/>
-          </p:cNvPicPr>
+          <p:cNvSpPr txBox="1"/>
           <p:nvPr/>
-        </p:nvPicPr>
-        <p:blipFill>
-          <a:blip r:embed="rId3">
-            <a:extLst>
-              <a:ext uri="{28A0092B-C50C-407E-A947-70E740481C1C}">
-                <a14:useLocalDpi xmlns:a14="http://schemas.microsoft.com/office/drawing/2010/main" val="0"/>
-              </a:ext>
-            </a:extLst>
-          </a:blip>
-          <a:stretch>
-            <a:fillRect/>
-          </a:stretch>
-        </p:blipFill>
+        </p:nvSpPr>
         <p:spPr>
           <a:xfrm>
-            <a:off x="2727158" y="1796093"/>
-            <a:ext cx="4614570" cy="4269253"/>
+            <a:off x="701336" y="2411156"/>
+            <a:ext cx="3000652" cy="646331"/>
           </a:xfrm>
           <a:prstGeom prst="rect">
             <a:avLst/>
           </a:prstGeom>
         </p:spPr>
-      </p:pic>
-      <p:pic>
-        <p:nvPicPr>
-          <p:cNvPr id="6" name="그림 5">
+        <p:txBody>
+          <a:bodyPr wrap="square" rtlCol="0">
+            <a:spAutoFit/>
+          </a:bodyPr>
+          <a:lstStyle/>
+          <a:p>
+            <a:r>
+              <a:rPr lang="ko-KR" altLang="en-US" b="1" dirty="0"/>
+              <a:t>영화관입장권통합전산망</a:t>
+            </a:r>
+            <a:endParaRPr lang="en-US" altLang="ko-KR" b="1" dirty="0"/>
+          </a:p>
+          <a:p>
+            <a:r>
+              <a:rPr lang="en-US" altLang="ko-KR" b="1" dirty="0">
+                <a:solidFill>
+                  <a:schemeClr val="accent1"/>
+                </a:solidFill>
+              </a:rPr>
+              <a:t>Open API</a:t>
+            </a:r>
+            <a:endParaRPr lang="ko-KR" altLang="en-US" b="1" dirty="0">
+              <a:solidFill>
+                <a:schemeClr val="accent1"/>
+              </a:solidFill>
+            </a:endParaRPr>
+          </a:p>
+        </p:txBody>
+      </p:sp>
+      <p:sp>
+        <p:nvSpPr>
+          <p:cNvPr id="3" name="TextBox 2">
             <a:extLst>
               <a:ext uri="{FF2B5EF4-FFF2-40B4-BE49-F238E27FC236}">
-                <a16:creationId xmlns:a16="http://schemas.microsoft.com/office/drawing/2014/main" id="{7F08C396-2DCB-4308-8FA7-545F74430254}"/>
+                <a16:creationId xmlns:a16="http://schemas.microsoft.com/office/drawing/2014/main" id="{6272E7D2-7670-480C-8267-805C47A91687}"/>
               </a:ext>
             </a:extLst>
           </p:cNvPr>
-          <p:cNvPicPr>
-            <a:picLocks noChangeAspect="1"/>
-          </p:cNvPicPr>
+          <p:cNvSpPr txBox="1"/>
           <p:nvPr/>
-        </p:nvPicPr>
-        <p:blipFill rotWithShape="1">
-          <a:blip r:embed="rId4">
-            <a:extLst>
-              <a:ext uri="{28A0092B-C50C-407E-A947-70E740481C1C}">
-                <a14:useLocalDpi xmlns:a14="http://schemas.microsoft.com/office/drawing/2010/main" val="0"/>
-              </a:ext>
-            </a:extLst>
-          </a:blip>
-          <a:srcRect r="63275"/>
-          <a:stretch/>
-        </p:blipFill>
+        </p:nvSpPr>
         <p:spPr>
           <a:xfrm>
-            <a:off x="8031326" y="2322093"/>
-            <a:ext cx="4160674" cy="2699086"/>
+            <a:off x="701336" y="3879542"/>
+            <a:ext cx="2663301" cy="646331"/>
           </a:xfrm>
           <a:prstGeom prst="rect">
             <a:avLst/>
           </a:prstGeom>
         </p:spPr>
-      </p:pic>
-      <p:pic>
-        <p:nvPicPr>
-          <p:cNvPr id="10" name="그림 9">
-            <a:extLst>
-              <a:ext uri="{FF2B5EF4-FFF2-40B4-BE49-F238E27FC236}">
-                <a16:creationId xmlns:a16="http://schemas.microsoft.com/office/drawing/2014/main" id="{FFC16D37-9DFD-4AA8-BE15-3F0157CB687E}"/>
-              </a:ext>
-            </a:extLst>
-          </p:cNvPr>
-          <p:cNvPicPr>
-            <a:picLocks noChangeAspect="1"/>
-          </p:cNvPicPr>
-          <p:nvPr/>
-        </p:nvPicPr>
-        <p:blipFill rotWithShape="1">
-          <a:blip r:embed="rId5">
-            <a:extLst>
-              <a:ext uri="{28A0092B-C50C-407E-A947-70E740481C1C}">
-                <a14:useLocalDpi xmlns:a14="http://schemas.microsoft.com/office/drawing/2010/main" val="0"/>
-              </a:ext>
-            </a:extLst>
-          </a:blip>
-          <a:srcRect t="32288" r="86962"/>
-          <a:stretch/>
-        </p:blipFill>
-        <p:spPr>
-          <a:xfrm>
-            <a:off x="638640" y="2067912"/>
-            <a:ext cx="1318497" cy="3725616"/>
-          </a:xfrm>
-          <a:prstGeom prst="rect">
-            <a:avLst/>
-          </a:prstGeom>
-        </p:spPr>
-      </p:pic>
-      <p:sp>
-        <p:nvSpPr>
-          <p:cNvPr id="15" name="화살표: 오른쪽 14">
-            <a:extLst>
-              <a:ext uri="{FF2B5EF4-FFF2-40B4-BE49-F238E27FC236}">
-                <a16:creationId xmlns:a16="http://schemas.microsoft.com/office/drawing/2014/main" id="{DC67B14B-497F-4C2E-B675-240C7561BBBE}"/>
-              </a:ext>
-            </a:extLst>
-          </p:cNvPr>
-          <p:cNvSpPr/>
-          <p:nvPr/>
-        </p:nvSpPr>
-        <p:spPr>
-          <a:xfrm>
-            <a:off x="1957137" y="3671636"/>
-            <a:ext cx="770021" cy="689042"/>
-          </a:xfrm>
-          <a:prstGeom prst="rightArrow">
-            <a:avLst/>
-          </a:prstGeom>
-          <a:ln>
-            <a:noFill/>
-          </a:ln>
-        </p:spPr>
-        <p:style>
-          <a:lnRef idx="2">
-            <a:schemeClr val="accent1">
-              <a:shade val="50000"/>
-            </a:schemeClr>
-          </a:lnRef>
-          <a:fillRef idx="1">
-            <a:schemeClr val="accent1"/>
-          </a:fillRef>
-          <a:effectRef idx="0">
-            <a:schemeClr val="accent1"/>
-          </a:effectRef>
-          <a:fontRef idx="minor">
-            <a:schemeClr val="lt1"/>
-          </a:fontRef>
-        </p:style>
         <p:txBody>
-          <a:bodyPr rtlCol="0" anchor="ctr"/>
+          <a:bodyPr wrap="square" rtlCol="0">
+            <a:spAutoFit/>
+          </a:bodyPr>
           <a:lstStyle/>
           <a:p>
-            <a:pPr algn="ctr"/>
-            <a:endParaRPr lang="ko-KR" altLang="en-US"/>
-          </a:p>
-        </p:txBody>
-      </p:sp>
-      <p:sp>
-        <p:nvSpPr>
-          <p:cNvPr id="20" name="화살표: 오른쪽 19">
-            <a:extLst>
-              <a:ext uri="{FF2B5EF4-FFF2-40B4-BE49-F238E27FC236}">
-                <a16:creationId xmlns:a16="http://schemas.microsoft.com/office/drawing/2014/main" id="{C68DDD7D-2F71-4BAF-956B-54DF452C7469}"/>
-              </a:ext>
-            </a:extLst>
-          </p:cNvPr>
-          <p:cNvSpPr/>
-          <p:nvPr/>
-        </p:nvSpPr>
-        <p:spPr>
-          <a:xfrm>
-            <a:off x="7261305" y="3671636"/>
-            <a:ext cx="770021" cy="689042"/>
-          </a:xfrm>
-          <a:prstGeom prst="rightArrow">
-            <a:avLst/>
-          </a:prstGeom>
-          <a:ln>
-            <a:noFill/>
-          </a:ln>
-        </p:spPr>
-        <p:style>
-          <a:lnRef idx="2">
-            <a:schemeClr val="accent1">
-              <a:shade val="50000"/>
-            </a:schemeClr>
-          </a:lnRef>
-          <a:fillRef idx="1">
-            <a:schemeClr val="accent1"/>
-          </a:fillRef>
-          <a:effectRef idx="0">
-            <a:schemeClr val="accent1"/>
-          </a:effectRef>
-          <a:fontRef idx="minor">
-            <a:schemeClr val="lt1"/>
-          </a:fontRef>
-        </p:style>
-        <p:txBody>
-          <a:bodyPr rtlCol="0" anchor="ctr"/>
-          <a:lstStyle/>
-          <a:p>
-            <a:pPr algn="ctr"/>
-            <a:endParaRPr lang="ko-KR" altLang="en-US"/>
+            <a:r>
+              <a:rPr lang="en-US" altLang="ko-KR" b="1" dirty="0">
+                <a:solidFill>
+                  <a:schemeClr val="accent1"/>
+                </a:solidFill>
+              </a:rPr>
+              <a:t>XML </a:t>
+            </a:r>
+            <a:r>
+              <a:rPr lang="ko-KR" altLang="en-US" b="1" dirty="0">
+                <a:solidFill>
+                  <a:schemeClr val="accent1"/>
+                </a:solidFill>
+              </a:rPr>
+              <a:t>데이터</a:t>
+            </a:r>
+            <a:r>
+              <a:rPr lang="ko-KR" altLang="en-US" b="1" dirty="0"/>
+              <a:t>를 요청하여 </a:t>
+            </a:r>
+            <a:r>
+              <a:rPr lang="ko-KR" altLang="en-US" b="1" dirty="0" err="1"/>
+              <a:t>파싱하여</a:t>
+            </a:r>
+            <a:r>
+              <a:rPr lang="ko-KR" altLang="en-US" b="1" dirty="0"/>
+              <a:t> 사용</a:t>
+            </a:r>
           </a:p>
         </p:txBody>
       </p:sp>
     </p:spTree>
+    <p:extLst>
+      <p:ext uri="{BB962C8B-B14F-4D97-AF65-F5344CB8AC3E}">
+        <p14:creationId xmlns:p14="http://schemas.microsoft.com/office/powerpoint/2010/main" val="1166606962"/>
+      </p:ext>
+    </p:extLst>
   </p:cSld>
   <p:clrMapOvr>
     <a:masterClrMapping/>
@@ -35089,7 +35882,7 @@
     <mc:Choice Requires="p14">
       <p:transition/>
     </mc:Choice>
-    <mc:Fallback xmlns="" xmlns:c="http://schemas.openxmlformats.org/drawingml/2006/chart" xmlns:dgm="http://schemas.openxmlformats.org/drawingml/2006/diagram" xmlns:dsp="http://schemas.microsoft.com/office/drawing/2008/diagram">
+    <mc:Fallback xmlns:dsp="http://schemas.microsoft.com/office/drawing/2008/diagram" xmlns:dgm="http://schemas.openxmlformats.org/drawingml/2006/diagram" xmlns:c="http://schemas.openxmlformats.org/drawingml/2006/chart" xmlns="">
       <p:transition/>
     </mc:Fallback>
   </mc:AlternateContent>
@@ -35148,21 +35941,112 @@
               <a:defRPr/>
             </a:pPr>
             <a:r>
+              <a:rPr lang="en-US" altLang="ko-KR" sz="3600" b="1" dirty="0">
+                <a:latin typeface="한컴 고딕"/>
+                <a:ea typeface="한컴 고딕"/>
+              </a:rPr>
+              <a:t>REST </a:t>
+            </a:r>
+            <a:r>
               <a:rPr lang="ko-KR" altLang="en-US" sz="3600" b="1" dirty="0">
                 <a:latin typeface="한컴 고딕"/>
                 <a:ea typeface="한컴 고딕"/>
               </a:rPr>
-              <a:t>문제점</a:t>
+              <a:t>요청</a:t>
+            </a:r>
+            <a:r>
+              <a:rPr lang="en-US" altLang="ko-KR" sz="3600" b="1" dirty="0">
+                <a:latin typeface="한컴 고딕"/>
+                <a:ea typeface="한컴 고딕"/>
+              </a:rPr>
+              <a:t>/</a:t>
+            </a:r>
+            <a:r>
+              <a:rPr lang="ko-KR" altLang="en-US" sz="3600" b="1" dirty="0">
+                <a:latin typeface="한컴 고딕"/>
+                <a:ea typeface="한컴 고딕"/>
+              </a:rPr>
+              <a:t>응답 예시</a:t>
             </a:r>
           </a:p>
         </p:txBody>
       </p:sp>
+      <p:pic>
+        <p:nvPicPr>
+          <p:cNvPr id="8" name="그림 7">
+            <a:extLst>
+              <a:ext uri="{FF2B5EF4-FFF2-40B4-BE49-F238E27FC236}">
+                <a16:creationId xmlns:a16="http://schemas.microsoft.com/office/drawing/2014/main" id="{160595A5-7629-4DC0-B023-94B66CC1B441}"/>
+              </a:ext>
+            </a:extLst>
+          </p:cNvPr>
+          <p:cNvPicPr>
+            <a:picLocks noChangeAspect="1"/>
+          </p:cNvPicPr>
+          <p:nvPr/>
+        </p:nvPicPr>
+        <p:blipFill rotWithShape="1">
+          <a:blip r:embed="rId3">
+            <a:extLst>
+              <a:ext uri="{28A0092B-C50C-407E-A947-70E740481C1C}">
+                <a14:useLocalDpi xmlns:a14="http://schemas.microsoft.com/office/drawing/2010/main" val="0"/>
+              </a:ext>
+            </a:extLst>
+          </a:blip>
+          <a:srcRect l="-1" t="-1" r="34501" b="3082"/>
+          <a:stretch/>
+        </p:blipFill>
+        <p:spPr>
+          <a:xfrm>
+            <a:off x="755903" y="2683749"/>
+            <a:ext cx="4632960" cy="1533213"/>
+          </a:xfrm>
+          <a:prstGeom prst="rect">
+            <a:avLst/>
+          </a:prstGeom>
+        </p:spPr>
+      </p:pic>
+      <p:pic>
+        <p:nvPicPr>
+          <p:cNvPr id="10" name="그림 9">
+            <a:extLst>
+              <a:ext uri="{FF2B5EF4-FFF2-40B4-BE49-F238E27FC236}">
+                <a16:creationId xmlns:a16="http://schemas.microsoft.com/office/drawing/2014/main" id="{7A682401-CBE6-416A-8D76-D70D80884946}"/>
+              </a:ext>
+            </a:extLst>
+          </p:cNvPr>
+          <p:cNvPicPr>
+            <a:picLocks noChangeAspect="1"/>
+          </p:cNvPicPr>
+          <p:nvPr/>
+        </p:nvPicPr>
+        <p:blipFill rotWithShape="1">
+          <a:blip r:embed="rId4">
+            <a:extLst>
+              <a:ext uri="{28A0092B-C50C-407E-A947-70E740481C1C}">
+                <a14:useLocalDpi xmlns:a14="http://schemas.microsoft.com/office/drawing/2010/main" val="0"/>
+              </a:ext>
+            </a:extLst>
+          </a:blip>
+          <a:srcRect r="-666" b="18881"/>
+          <a:stretch/>
+        </p:blipFill>
+        <p:spPr>
+          <a:xfrm>
+            <a:off x="7509550" y="1087965"/>
+            <a:ext cx="3060914" cy="4191263"/>
+          </a:xfrm>
+          <a:prstGeom prst="rect">
+            <a:avLst/>
+          </a:prstGeom>
+        </p:spPr>
+      </p:pic>
       <p:sp>
         <p:nvSpPr>
-          <p:cNvPr id="3" name="TextBox 2">
+          <p:cNvPr id="11" name="TextBox 10">
             <a:extLst>
               <a:ext uri="{FF2B5EF4-FFF2-40B4-BE49-F238E27FC236}">
-                <a16:creationId xmlns:a16="http://schemas.microsoft.com/office/drawing/2014/main" id="{4353B24D-0BB0-4178-B761-26AFE92601FC}"/>
+                <a16:creationId xmlns:a16="http://schemas.microsoft.com/office/drawing/2014/main" id="{2FA47B20-C040-4CD2-AA69-FEDCA99AADA8}"/>
               </a:ext>
             </a:extLst>
           </p:cNvPr>
@@ -35171,8 +36055,8 @@
         </p:nvSpPr>
         <p:spPr>
           <a:xfrm>
-            <a:off x="1392381" y="2161309"/>
-            <a:ext cx="9407237" cy="3908762"/>
+            <a:off x="1893031" y="5690834"/>
+            <a:ext cx="1895409" cy="646331"/>
           </a:xfrm>
           <a:prstGeom prst="rect">
             <a:avLst/>
@@ -35184,81 +36068,127 @@
           </a:bodyPr>
           <a:lstStyle/>
           <a:p>
-            <a:pPr marL="342900" indent="-342900">
-              <a:lnSpc>
-                <a:spcPct val="150000"/>
-              </a:lnSpc>
-              <a:buFont typeface="Arial" panose="020B0604020202020204" pitchFamily="34" charset="0"/>
-              <a:buChar char="•"/>
-            </a:pPr>
             <a:r>
-              <a:rPr lang="en-US" altLang="ko-KR" sz="2800" b="1" dirty="0"/>
-              <a:t>Java </a:t>
+              <a:rPr lang="ko-KR" altLang="en-US" b="1" dirty="0"/>
+              <a:t>영화 상세 </a:t>
             </a:r>
             <a:r>
-              <a:rPr lang="ko-KR" altLang="en-US" sz="2800" b="1" dirty="0"/>
-              <a:t>언어의 특징을 잘 살리지 못한 난잡한 코드</a:t>
-            </a:r>
-            <a:endParaRPr lang="en-US" altLang="ko-KR" sz="2800" b="1" dirty="0"/>
-          </a:p>
-          <a:p>
-            <a:pPr marL="342900" indent="-342900">
-              <a:lnSpc>
-                <a:spcPct val="150000"/>
-              </a:lnSpc>
-              <a:buFont typeface="Arial" panose="020B0604020202020204" pitchFamily="34" charset="0"/>
-              <a:buChar char="•"/>
-            </a:pPr>
-            <a:r>
-              <a:rPr lang="ko-KR" altLang="en-US" sz="2800" b="1" dirty="0"/>
-              <a:t>배우 이름 중복에 대한 문제에 대한 대비 </a:t>
+              <a:rPr lang="en-US" altLang="ko-KR" b="1" dirty="0"/>
+              <a:t>‘</a:t>
             </a:r>
             <a:r>
-              <a:rPr lang="en-US" altLang="ko-KR" sz="2800" b="1" dirty="0"/>
-              <a:t>x</a:t>
+              <a:rPr lang="ko-KR" altLang="en-US" b="1" dirty="0"/>
+              <a:t>요청</a:t>
             </a:r>
-          </a:p>
-          <a:p>
-            <a:pPr marL="342900" indent="-342900">
-              <a:lnSpc>
-                <a:spcPct val="150000"/>
-              </a:lnSpc>
-              <a:buFont typeface="Arial" panose="020B0604020202020204" pitchFamily="34" charset="0"/>
-              <a:buChar char="•"/>
-            </a:pPr>
             <a:r>
-              <a:rPr lang="ko-KR" altLang="en-US" sz="2800" b="1" dirty="0"/>
-              <a:t>입력 정보에 비해 저장하는 정보와 출력 내용이 다양하지 못함</a:t>
+              <a:rPr lang="en-US" altLang="ko-KR" b="1" dirty="0"/>
+              <a:t>’ </a:t>
             </a:r>
-            <a:endParaRPr lang="en-US" altLang="ko-KR" sz="2800" b="1" dirty="0"/>
-          </a:p>
-          <a:p>
-            <a:pPr marL="342900" indent="-342900">
-              <a:lnSpc>
-                <a:spcPct val="150000"/>
-              </a:lnSpc>
-              <a:buFont typeface="Arial" panose="020B0604020202020204" pitchFamily="34" charset="0"/>
-              <a:buChar char="•"/>
-            </a:pPr>
             <a:r>
-              <a:rPr lang="ko-KR" altLang="en-US" sz="2800" b="1" dirty="0"/>
-              <a:t>사전 계획의 부실함으로 인해 구현 형태가 부실함</a:t>
+              <a:rPr lang="ko-KR" altLang="en-US" b="1" dirty="0"/>
+              <a:t>인터페이스</a:t>
             </a:r>
-            <a:endParaRPr lang="en-US" altLang="ko-KR" sz="2800" b="1" dirty="0"/>
-          </a:p>
-          <a:p>
-            <a:endParaRPr lang="en-US" altLang="ko-KR" sz="2000" b="1" dirty="0"/>
-          </a:p>
-          <a:p>
-            <a:pPr marL="285750" indent="-285750">
-              <a:buFont typeface="Arial" panose="020B0604020202020204" pitchFamily="34" charset="0"/>
-              <a:buChar char="•"/>
-            </a:pPr>
-            <a:endParaRPr lang="ko-KR" altLang="en-US" dirty="0"/>
           </a:p>
         </p:txBody>
       </p:sp>
+      <p:sp>
+        <p:nvSpPr>
+          <p:cNvPr id="15" name="TextBox 14">
+            <a:extLst>
+              <a:ext uri="{FF2B5EF4-FFF2-40B4-BE49-F238E27FC236}">
+                <a16:creationId xmlns:a16="http://schemas.microsoft.com/office/drawing/2014/main" id="{AB1E372C-A648-42BB-BFEC-4D9734B6C7AC}"/>
+              </a:ext>
+            </a:extLst>
+          </p:cNvPr>
+          <p:cNvSpPr txBox="1"/>
+          <p:nvPr/>
+        </p:nvSpPr>
+        <p:spPr>
+          <a:xfrm>
+            <a:off x="8082166" y="5690833"/>
+            <a:ext cx="1895409" cy="646331"/>
+          </a:xfrm>
+          <a:prstGeom prst="rect">
+            <a:avLst/>
+          </a:prstGeom>
+        </p:spPr>
+        <p:txBody>
+          <a:bodyPr wrap="square" rtlCol="0">
+            <a:spAutoFit/>
+          </a:bodyPr>
+          <a:lstStyle/>
+          <a:p>
+            <a:r>
+              <a:rPr lang="ko-KR" altLang="en-US" b="1" dirty="0"/>
+              <a:t>영화 상세 </a:t>
+            </a:r>
+            <a:r>
+              <a:rPr lang="en-US" altLang="ko-KR" b="1" dirty="0"/>
+              <a:t>‘</a:t>
+            </a:r>
+            <a:r>
+              <a:rPr lang="ko-KR" altLang="en-US" b="1" dirty="0"/>
+              <a:t>응답</a:t>
+            </a:r>
+            <a:r>
+              <a:rPr lang="en-US" altLang="ko-KR" b="1" dirty="0"/>
+              <a:t>’ </a:t>
+            </a:r>
+            <a:r>
+              <a:rPr lang="ko-KR" altLang="en-US" b="1" dirty="0"/>
+              <a:t>예시</a:t>
+            </a:r>
+          </a:p>
+        </p:txBody>
+      </p:sp>
+      <p:cxnSp>
+        <p:nvCxnSpPr>
+          <p:cNvPr id="13" name="직선 화살표 연결선 12">
+            <a:extLst>
+              <a:ext uri="{FF2B5EF4-FFF2-40B4-BE49-F238E27FC236}">
+                <a16:creationId xmlns:a16="http://schemas.microsoft.com/office/drawing/2014/main" id="{ACA95427-6675-4265-BA43-F9B80005055C}"/>
+              </a:ext>
+            </a:extLst>
+          </p:cNvPr>
+          <p:cNvCxnSpPr>
+            <a:cxnSpLocks/>
+            <a:stCxn id="8" idx="3"/>
+          </p:cNvCxnSpPr>
+          <p:nvPr/>
+        </p:nvCxnSpPr>
+        <p:spPr>
+          <a:xfrm>
+            <a:off x="5388863" y="3450356"/>
+            <a:ext cx="2120687" cy="0"/>
+          </a:xfrm>
+          <a:prstGeom prst="straightConnector1">
+            <a:avLst/>
+          </a:prstGeom>
+          <a:ln>
+            <a:tailEnd type="triangle"/>
+          </a:ln>
+        </p:spPr>
+        <p:style>
+          <a:lnRef idx="1">
+            <a:schemeClr val="accent1"/>
+          </a:lnRef>
+          <a:fillRef idx="0">
+            <a:schemeClr val="accent1"/>
+          </a:fillRef>
+          <a:effectRef idx="0">
+            <a:schemeClr val="accent1"/>
+          </a:effectRef>
+          <a:fontRef idx="minor">
+            <a:schemeClr val="tx1"/>
+          </a:fontRef>
+        </p:style>
+      </p:cxnSp>
     </p:spTree>
+    <p:extLst>
+      <p:ext uri="{BB962C8B-B14F-4D97-AF65-F5344CB8AC3E}">
+        <p14:creationId xmlns:p14="http://schemas.microsoft.com/office/powerpoint/2010/main" val="3609359237"/>
+      </p:ext>
+    </p:extLst>
   </p:cSld>
   <p:clrMapOvr>
     <a:masterClrMapping/>
@@ -35267,7 +36197,7 @@
     <mc:Choice Requires="p14">
       <p:transition/>
     </mc:Choice>
-    <mc:Fallback xmlns="" xmlns:c="http://schemas.openxmlformats.org/drawingml/2006/chart" xmlns:dgm="http://schemas.openxmlformats.org/drawingml/2006/diagram" xmlns:dsp="http://schemas.microsoft.com/office/drawing/2008/diagram">
+    <mc:Fallback xmlns:dsp="http://schemas.microsoft.com/office/drawing/2008/diagram" xmlns:dgm="http://schemas.openxmlformats.org/drawingml/2006/diagram" xmlns:c="http://schemas.openxmlformats.org/drawingml/2006/chart" xmlns="">
       <p:transition/>
     </mc:Fallback>
   </mc:AlternateContent>
@@ -35330,17 +36260,88 @@
                 <a:latin typeface="한컴 고딕"/>
                 <a:ea typeface="한컴 고딕"/>
               </a:rPr>
-              <a:t>향후 계획</a:t>
+              <a:t>데이터 수집 및 저장</a:t>
             </a:r>
           </a:p>
         </p:txBody>
       </p:sp>
+      <p:pic>
+        <p:nvPicPr>
+          <p:cNvPr id="9" name="그림 8">
+            <a:extLst>
+              <a:ext uri="{FF2B5EF4-FFF2-40B4-BE49-F238E27FC236}">
+                <a16:creationId xmlns:a16="http://schemas.microsoft.com/office/drawing/2014/main" id="{D0A7D7B0-C57B-4135-918F-7006D8D77B01}"/>
+              </a:ext>
+            </a:extLst>
+          </p:cNvPr>
+          <p:cNvPicPr>
+            <a:picLocks noChangeAspect="1"/>
+          </p:cNvPicPr>
+          <p:nvPr/>
+        </p:nvPicPr>
+        <p:blipFill rotWithShape="1">
+          <a:blip r:embed="rId3">
+            <a:extLst>
+              <a:ext uri="{28A0092B-C50C-407E-A947-70E740481C1C}">
+                <a14:useLocalDpi xmlns:a14="http://schemas.microsoft.com/office/drawing/2010/main" val="0"/>
+              </a:ext>
+            </a:extLst>
+          </a:blip>
+          <a:srcRect l="-1" r="552" b="26185"/>
+          <a:stretch/>
+        </p:blipFill>
+        <p:spPr>
+          <a:xfrm>
+            <a:off x="7509550" y="1478141"/>
+            <a:ext cx="4024082" cy="3511572"/>
+          </a:xfrm>
+          <a:prstGeom prst="rect">
+            <a:avLst/>
+          </a:prstGeom>
+        </p:spPr>
+      </p:pic>
+      <p:pic>
+        <p:nvPicPr>
+          <p:cNvPr id="12" name="그림 11">
+            <a:extLst>
+              <a:ext uri="{FF2B5EF4-FFF2-40B4-BE49-F238E27FC236}">
+                <a16:creationId xmlns:a16="http://schemas.microsoft.com/office/drawing/2014/main" id="{BC75EFDE-2D7C-4E5B-950F-E9A0B5F2DDE9}"/>
+              </a:ext>
+            </a:extLst>
+          </p:cNvPr>
+          <p:cNvPicPr>
+            <a:picLocks noChangeAspect="1"/>
+          </p:cNvPicPr>
+          <p:nvPr/>
+        </p:nvPicPr>
+        <p:blipFill>
+          <a:blip r:embed="rId4">
+            <a:extLst>
+              <a:ext uri="{28A0092B-C50C-407E-A947-70E740481C1C}">
+                <a14:useLocalDpi xmlns:a14="http://schemas.microsoft.com/office/drawing/2010/main" val="0"/>
+              </a:ext>
+            </a:extLst>
+          </a:blip>
+          <a:stretch>
+            <a:fillRect/>
+          </a:stretch>
+        </p:blipFill>
+        <p:spPr>
+          <a:xfrm>
+            <a:off x="844935" y="1996415"/>
+            <a:ext cx="5251065" cy="2475025"/>
+          </a:xfrm>
+          <a:prstGeom prst="rect">
+            <a:avLst/>
+          </a:prstGeom>
+        </p:spPr>
+      </p:pic>
       <p:sp>
         <p:nvSpPr>
-          <p:cNvPr id="3" name="TextBox 2">
+          <p:cNvPr id="13" name="TextBox 12">
             <a:extLst>
               <a:ext uri="{FF2B5EF4-FFF2-40B4-BE49-F238E27FC236}">
-                <a16:creationId xmlns:a16="http://schemas.microsoft.com/office/drawing/2014/main" id="{4353B24D-0BB0-4178-B761-26AFE92601FC}"/>
+                <a16:creationId xmlns:a16="http://schemas.microsoft.com/office/drawing/2014/main" id="{B823DE3A-1665-4AD9-8A74-24216A2BABB0}"/>
               </a:ext>
             </a:extLst>
           </p:cNvPr>
@@ -35349,8 +36350,8 @@
         </p:nvSpPr>
         <p:spPr>
           <a:xfrm>
-            <a:off x="1392381" y="2161309"/>
-            <a:ext cx="9407237" cy="2954655"/>
+            <a:off x="1744809" y="4805047"/>
+            <a:ext cx="4046391" cy="369332"/>
           </a:xfrm>
           <a:prstGeom prst="rect">
             <a:avLst/>
@@ -35362,111 +36363,56 @@
           </a:bodyPr>
           <a:lstStyle/>
           <a:p>
-            <a:pPr marL="342900" indent="-342900">
-              <a:lnSpc>
-                <a:spcPct val="150000"/>
-              </a:lnSpc>
-              <a:buFont typeface="Arial" panose="020B0604020202020204" pitchFamily="34" charset="0"/>
-              <a:buChar char="•"/>
-            </a:pPr>
             <a:r>
-              <a:rPr lang="en-US" altLang="ko-KR" sz="2800" b="1" dirty="0"/>
-              <a:t>XML </a:t>
+              <a:rPr lang="en-US" altLang="ko-KR" b="1" dirty="0"/>
+              <a:t>* Text </a:t>
             </a:r>
             <a:r>
-              <a:rPr lang="ko-KR" altLang="en-US" sz="2800" b="1" dirty="0"/>
-              <a:t>데이터로부터 더 많은 데이터를 얻어 저장할 것</a:t>
+              <a:rPr lang="ko-KR" altLang="en-US" b="1" dirty="0"/>
+              <a:t>파일로 저장</a:t>
+            </a:r>
+          </a:p>
+        </p:txBody>
+      </p:sp>
+      <p:sp>
+        <p:nvSpPr>
+          <p:cNvPr id="17" name="TextBox 16">
+            <a:extLst>
+              <a:ext uri="{FF2B5EF4-FFF2-40B4-BE49-F238E27FC236}">
+                <a16:creationId xmlns:a16="http://schemas.microsoft.com/office/drawing/2014/main" id="{2ABE6D3D-3B62-4C02-B799-E757685137DD}"/>
+              </a:ext>
+            </a:extLst>
+          </p:cNvPr>
+          <p:cNvSpPr txBox="1"/>
+          <p:nvPr/>
+        </p:nvSpPr>
+        <p:spPr>
+          <a:xfrm>
+            <a:off x="8877129" y="5257977"/>
+            <a:ext cx="1169079" cy="369332"/>
+          </a:xfrm>
+          <a:prstGeom prst="rect">
+            <a:avLst/>
+          </a:prstGeom>
+        </p:spPr>
+        <p:txBody>
+          <a:bodyPr wrap="square" rtlCol="0">
+            <a:spAutoFit/>
+          </a:bodyPr>
+          <a:lstStyle/>
+          <a:p>
+            <a:r>
+              <a:rPr lang="en-US" altLang="ko-KR" b="1" dirty="0"/>
+              <a:t>* </a:t>
             </a:r>
             <a:r>
-              <a:rPr lang="en-US" altLang="ko-KR" sz="2800" b="1" dirty="0"/>
-              <a:t>(ex- </a:t>
+              <a:rPr lang="ko-KR" altLang="en-US" b="1" dirty="0"/>
+              <a:t>예시</a:t>
             </a:r>
-            <a:r>
-              <a:rPr lang="ko-KR" altLang="en-US" sz="2800" b="1" dirty="0"/>
-              <a:t>배우 상세</a:t>
-            </a:r>
-            <a:r>
-              <a:rPr lang="en-US" altLang="ko-KR" sz="2800" b="1" dirty="0"/>
-              <a:t>, </a:t>
-            </a:r>
-            <a:r>
-              <a:rPr lang="ko-KR" altLang="en-US" sz="2800" b="1" dirty="0"/>
-              <a:t>영화 상세 정보</a:t>
-            </a:r>
-            <a:r>
-              <a:rPr lang="en-US" altLang="ko-KR" sz="2800" b="1" dirty="0"/>
-              <a:t>)</a:t>
-            </a:r>
-          </a:p>
-          <a:p>
-            <a:pPr marL="342900" indent="-342900">
-              <a:lnSpc>
-                <a:spcPct val="150000"/>
-              </a:lnSpc>
-              <a:buFont typeface="Arial" panose="020B0604020202020204" pitchFamily="34" charset="0"/>
-              <a:buChar char="•"/>
-            </a:pPr>
-            <a:r>
-              <a:rPr lang="ko-KR" altLang="en-US" sz="2800" b="1" dirty="0"/>
-              <a:t>평균 중심 지수를</a:t>
-            </a:r>
-            <a:r>
-              <a:rPr lang="en-US" altLang="ko-KR" sz="2800" b="1" dirty="0"/>
-              <a:t> ‘</a:t>
-            </a:r>
-            <a:r>
-              <a:rPr lang="ko-KR" altLang="en-US" sz="2800" b="1" dirty="0"/>
-              <a:t>출연 작품 수</a:t>
-            </a:r>
-            <a:r>
-              <a:rPr lang="en-US" altLang="ko-KR" sz="2800" b="1" dirty="0"/>
-              <a:t>,’ ‘</a:t>
-            </a:r>
-            <a:r>
-              <a:rPr lang="ko-KR" altLang="en-US" sz="2800" b="1" dirty="0"/>
-              <a:t>인접 노드 수</a:t>
-            </a:r>
-            <a:r>
-              <a:rPr lang="en-US" altLang="ko-KR" sz="2800" b="1" dirty="0"/>
-              <a:t>’, ‘2-</a:t>
-            </a:r>
-            <a:r>
-              <a:rPr lang="ko-KR" altLang="en-US" sz="2800" b="1" dirty="0"/>
-              <a:t>인접 노드 수</a:t>
-            </a:r>
-            <a:r>
-              <a:rPr lang="en-US" altLang="ko-KR" sz="2800" b="1" dirty="0"/>
-              <a:t>’</a:t>
-            </a:r>
-            <a:r>
-              <a:rPr lang="ko-KR" altLang="en-US" sz="2800" b="1" dirty="0"/>
-              <a:t> 등</a:t>
-            </a:r>
-            <a:r>
-              <a:rPr lang="en-US" altLang="ko-KR" sz="2800" b="1" dirty="0"/>
-              <a:t>, </a:t>
-            </a:r>
-            <a:r>
-              <a:rPr lang="ko-KR" altLang="en-US" sz="2800" b="1" dirty="0"/>
-              <a:t>다양한 요인들과 접목하여 연구할 것</a:t>
-            </a:r>
-            <a:endParaRPr lang="en-US" altLang="ko-KR" sz="2800" b="1" dirty="0"/>
-          </a:p>
-          <a:p>
-            <a:pPr marL="285750" indent="-285750">
-              <a:buFont typeface="Arial" panose="020B0604020202020204" pitchFamily="34" charset="0"/>
-              <a:buChar char="•"/>
-            </a:pPr>
-            <a:endParaRPr lang="ko-KR" altLang="en-US" dirty="0"/>
           </a:p>
         </p:txBody>
       </p:sp>
     </p:spTree>
-    <p:extLst>
-      <p:ext uri="{BB962C8B-B14F-4D97-AF65-F5344CB8AC3E}">
-        <p14:creationId xmlns:p14="http://schemas.microsoft.com/office/powerpoint/2010/main" val="3951713192"/>
-      </p:ext>
-    </p:extLst>
   </p:cSld>
   <p:clrMapOvr>
     <a:masterClrMapping/>
@@ -35475,7 +36421,7 @@
     <mc:Choice Requires="p14">
       <p:transition/>
     </mc:Choice>
-    <mc:Fallback xmlns="" xmlns:c="http://schemas.openxmlformats.org/drawingml/2006/chart" xmlns:dgm="http://schemas.openxmlformats.org/drawingml/2006/diagram" xmlns:dsp="http://schemas.microsoft.com/office/drawing/2008/diagram">
+    <mc:Fallback xmlns:dsp="http://schemas.microsoft.com/office/drawing/2008/diagram" xmlns:dgm="http://schemas.openxmlformats.org/drawingml/2006/diagram" xmlns:c="http://schemas.openxmlformats.org/drawingml/2006/chart" xmlns="">
       <p:transition/>
     </mc:Fallback>
   </mc:AlternateContent>
